--- a/Documentação/Sprint 1 - Entregavel do Projeto - v2 - Aluno-1.pptx
+++ b/Documentação/Sprint 1 - Entregavel do Projeto - v2 - Aluno-1.pptx
@@ -18,7 +18,6 @@
     <p:sldId id="265" r:id="rId13"/>
     <p:sldId id="266" r:id="rId14"/>
     <p:sldId id="267" r:id="rId15"/>
-    <p:sldId id="268" r:id="rId16"/>
   </p:sldIdLst>
   <p:sldSz cx="13442950" cy="7561262"/>
   <p:notesSz cx="7559675" cy="10691812"/>
@@ -2770,7 +2769,7 @@
         <p:spPr>
           <a:xfrm>
             <a:off x="0" y="0"/>
-            <a:ext cx="13442040" cy="7560360"/>
+            <a:ext cx="13441680" cy="7560000"/>
           </a:xfrm>
           <a:prstGeom prst="rect">
             <a:avLst/>
@@ -2806,7 +2805,7 @@
         <p:spPr>
           <a:xfrm>
             <a:off x="-10080" y="0"/>
-            <a:ext cx="7997760" cy="7560360"/>
+            <a:ext cx="7997400" cy="7560000"/>
           </a:xfrm>
           <a:custGeom>
             <a:avLst/>
@@ -3906,7 +3905,7 @@
         <p:spPr>
           <a:xfrm>
             <a:off x="5783400" y="1927080"/>
-            <a:ext cx="1352160" cy="3075480"/>
+            <a:ext cx="1351800" cy="3075120"/>
           </a:xfrm>
           <a:custGeom>
             <a:avLst/>
@@ -3961,7 +3960,7 @@
         <p:spPr>
           <a:xfrm>
             <a:off x="8312040" y="2139480"/>
-            <a:ext cx="1792800" cy="667440"/>
+            <a:ext cx="1792440" cy="667080"/>
           </a:xfrm>
           <a:prstGeom prst="rect">
             <a:avLst/>
@@ -4000,37 +3999,7 @@
               <a:rPr b="0" lang="pt-BR" sz="4400" spc="-1" strike="noStrike">
                 <a:latin typeface="Arial"/>
               </a:rPr>
-              <a:t>Clique </a:t>
-            </a:r>
-            <a:r>
-              <a:rPr b="0" lang="pt-BR" sz="4400" spc="-1" strike="noStrike">
-                <a:latin typeface="Arial"/>
-              </a:rPr>
-              <a:t>para </a:t>
-            </a:r>
-            <a:r>
-              <a:rPr b="0" lang="pt-BR" sz="4400" spc="-1" strike="noStrike">
-                <a:latin typeface="Arial"/>
-              </a:rPr>
-              <a:t>editar o </a:t>
-            </a:r>
-            <a:r>
-              <a:rPr b="0" lang="pt-BR" sz="4400" spc="-1" strike="noStrike">
-                <a:latin typeface="Arial"/>
-              </a:rPr>
-              <a:t>formato </a:t>
-            </a:r>
-            <a:r>
-              <a:rPr b="0" lang="pt-BR" sz="4400" spc="-1" strike="noStrike">
-                <a:latin typeface="Arial"/>
-              </a:rPr>
-              <a:t>do texto </a:t>
-            </a:r>
-            <a:r>
-              <a:rPr b="0" lang="pt-BR" sz="4400" spc="-1" strike="noStrike">
-                <a:latin typeface="Arial"/>
-              </a:rPr>
-              <a:t>do título</a:t>
+              <a:t>Clique para editar o formato do texto do título</a:t>
             </a:r>
             <a:endParaRPr b="0" lang="pt-BR" sz="4400" spc="-1" strike="noStrike">
               <a:latin typeface="Arial"/>
@@ -4270,7 +4239,7 @@
         <p:spPr>
           <a:xfrm>
             <a:off x="12605400" y="6949080"/>
-            <a:ext cx="836280" cy="611280"/>
+            <a:ext cx="835920" cy="610920"/>
           </a:xfrm>
           <a:custGeom>
             <a:avLst/>
@@ -4417,7 +4386,7 @@
         <p:spPr>
           <a:xfrm>
             <a:off x="0" y="0"/>
-            <a:ext cx="1831320" cy="1331280"/>
+            <a:ext cx="1830960" cy="1330920"/>
           </a:xfrm>
           <a:custGeom>
             <a:avLst/>
@@ -4718,7 +4687,7 @@
         <p:spPr>
           <a:xfrm>
             <a:off x="181800" y="165960"/>
-            <a:ext cx="1341000" cy="498960"/>
+            <a:ext cx="1340640" cy="498600"/>
           </a:xfrm>
           <a:prstGeom prst="rect">
             <a:avLst/>
@@ -4757,19 +4726,7 @@
               <a:rPr b="0" lang="pt-BR" sz="4400" spc="-1" strike="noStrike">
                 <a:latin typeface="Arial"/>
               </a:rPr>
-              <a:t>Clique para editar o </a:t>
-            </a:r>
-            <a:r>
-              <a:rPr b="0" lang="pt-BR" sz="4400" spc="-1" strike="noStrike">
-                <a:latin typeface="Arial"/>
-              </a:rPr>
-              <a:t>formato do texto do </a:t>
-            </a:r>
-            <a:r>
-              <a:rPr b="0" lang="pt-BR" sz="4400" spc="-1" strike="noStrike">
-                <a:latin typeface="Arial"/>
-              </a:rPr>
-              <a:t>título</a:t>
+              <a:t>Clique para editar o formato do texto do título</a:t>
             </a:r>
             <a:endParaRPr b="0" lang="pt-BR" sz="4400" spc="-1" strike="noStrike">
               <a:latin typeface="Arial"/>
@@ -5002,7 +4959,7 @@
         <p:spPr>
           <a:xfrm>
             <a:off x="8135640" y="1404360"/>
-            <a:ext cx="4614840" cy="2808720"/>
+            <a:ext cx="4614480" cy="2808360"/>
           </a:xfrm>
           <a:prstGeom prst="rect">
             <a:avLst/>
@@ -5059,7 +5016,7 @@
         <p:spPr>
           <a:xfrm>
             <a:off x="8135640" y="4212720"/>
-            <a:ext cx="4614840" cy="2808720"/>
+            <a:ext cx="4614480" cy="2808360"/>
           </a:xfrm>
           <a:prstGeom prst="rect">
             <a:avLst/>
@@ -5091,7 +5048,7 @@
                 <a:tab algn="l" pos="0"/>
               </a:tabLst>
             </a:pPr>
-            <a:endParaRPr b="0" lang="pt-BR" sz="1800" spc="-1" strike="noStrike">
+            <a:endParaRPr b="0" lang="pt-BR" sz="1100" spc="-1" strike="noStrike">
               <a:latin typeface="Arial"/>
             </a:endParaRPr>
           </a:p>
@@ -5171,20 +5128,20 @@
       </p:grpSpPr>
       <p:sp>
         <p:nvSpPr>
-          <p:cNvPr id="133" name="CustomShape 1"/>
+          <p:cNvPr id="138" name="CustomShape 1"/>
           <p:cNvSpPr/>
           <p:nvPr/>
         </p:nvSpPr>
         <p:spPr>
           <a:xfrm>
-            <a:off x="2184840" y="108360"/>
-            <a:ext cx="10781640" cy="764640"/>
+            <a:off x="12605400" y="7237080"/>
+            <a:ext cx="627120" cy="212760"/>
           </a:xfrm>
           <a:prstGeom prst="rect">
             <a:avLst/>
           </a:prstGeom>
           <a:noFill/>
-          <a:ln>
+          <a:ln w="9360">
             <a:noFill/>
           </a:ln>
         </p:spPr>
@@ -5195,11 +5152,62 @@
           <a:fontRef idx="minor"/>
         </p:style>
         <p:txBody>
+          <a:bodyPr lIns="18000" rIns="18000" tIns="10800" bIns="10800">
+            <a:noAutofit/>
+          </a:bodyPr>
+          <a:p>
+            <a:pPr algn="r">
+              <a:lnSpc>
+                <a:spcPct val="100000"/>
+              </a:lnSpc>
+            </a:pPr>
+            <a:fld id="{AEF19AA4-86C4-4A82-96F5-2CD8E836A954}" type="slidenum">
+              <a:rPr b="1" lang="pt-BR" sz="1260" spc="-1" strike="noStrike">
+                <a:solidFill>
+                  <a:srgbClr val="ffffff"/>
+                </a:solidFill>
+                <a:latin typeface="Exo 2"/>
+                <a:ea typeface="Tahoma"/>
+              </a:rPr>
+              <a:t>2</a:t>
+            </a:fld>
+            <a:endParaRPr b="0" lang="pt-BR" sz="1260" spc="-1" strike="noStrike">
+              <a:latin typeface="Arial"/>
+            </a:endParaRPr>
+          </a:p>
+        </p:txBody>
+      </p:sp>
+      <p:sp>
+        <p:nvSpPr>
+          <p:cNvPr id="139" name="CustomShape 2"/>
+          <p:cNvSpPr/>
+          <p:nvPr/>
+        </p:nvSpPr>
+        <p:spPr>
+          <a:xfrm>
+            <a:off x="2184840" y="108360"/>
+            <a:ext cx="10781280" cy="764280"/>
+          </a:xfrm>
+          <a:prstGeom prst="rect">
+            <a:avLst/>
+          </a:prstGeom>
+          <a:noFill/>
+          <a:ln>
+            <a:noFill/>
+          </a:ln>
+        </p:spPr>
+        <p:style>
+          <a:lnRef idx="0"/>
+          <a:fillRef idx="0"/>
+          <a:effectRef idx="0"/>
+          <a:fontRef idx="minor"/>
+        </p:style>
+        <p:txBody>
           <a:bodyPr lIns="90000" rIns="90000" tIns="45000" bIns="45000">
             <a:noAutofit/>
           </a:bodyPr>
           <a:p>
-            <a:pPr marL="430920" indent="-429840">
+            <a:pPr marL="430920" indent="-429480">
               <a:lnSpc>
                 <a:spcPct val="100000"/>
               </a:lnSpc>
@@ -5218,139 +5226,9 @@
                 <a:latin typeface="Exo 2"/>
                 <a:ea typeface="DejaVu Sans"/>
               </a:rPr>
-              <a:t>2. Proto-Persona – Justificativa</a:t>
+              <a:t>4. Mapa de Empatia – Em Socioemocional</a:t>
             </a:r>
             <a:endParaRPr b="0" lang="pt-BR" sz="3770" spc="-1" strike="noStrike">
-              <a:latin typeface="Arial"/>
-            </a:endParaRPr>
-          </a:p>
-        </p:txBody>
-      </p:sp>
-      <p:sp>
-        <p:nvSpPr>
-          <p:cNvPr id="134" name="CustomShape 2"/>
-          <p:cNvSpPr/>
-          <p:nvPr/>
-        </p:nvSpPr>
-        <p:spPr>
-          <a:xfrm>
-            <a:off x="12605400" y="7237080"/>
-            <a:ext cx="627480" cy="213120"/>
-          </a:xfrm>
-          <a:prstGeom prst="rect">
-            <a:avLst/>
-          </a:prstGeom>
-          <a:noFill/>
-          <a:ln w="9360">
-            <a:noFill/>
-          </a:ln>
-        </p:spPr>
-        <p:style>
-          <a:lnRef idx="0"/>
-          <a:fillRef idx="0"/>
-          <a:effectRef idx="0"/>
-          <a:fontRef idx="minor"/>
-        </p:style>
-        <p:txBody>
-          <a:bodyPr lIns="18000" rIns="18000" tIns="10800" bIns="10800">
-            <a:noAutofit/>
-          </a:bodyPr>
-          <a:p>
-            <a:pPr algn="r">
-              <a:lnSpc>
-                <a:spcPct val="100000"/>
-              </a:lnSpc>
-            </a:pPr>
-            <a:r>
-              <a:rPr b="1" lang="pt-BR" sz="1260" spc="-1" strike="noStrike">
-                <a:solidFill>
-                  <a:srgbClr val="ffffff"/>
-                </a:solidFill>
-                <a:latin typeface="Exo 2"/>
-                <a:ea typeface="Tahoma"/>
-              </a:rPr>
-              <a:t>6</a:t>
-            </a:r>
-            <a:endParaRPr b="0" lang="pt-BR" sz="1260" spc="-1" strike="noStrike">
-              <a:latin typeface="Arial"/>
-            </a:endParaRPr>
-          </a:p>
-        </p:txBody>
-      </p:sp>
-      <p:sp>
-        <p:nvSpPr>
-          <p:cNvPr id="135" name="CustomShape 3"/>
-          <p:cNvSpPr/>
-          <p:nvPr/>
-        </p:nvSpPr>
-        <p:spPr>
-          <a:xfrm>
-            <a:off x="610200" y="1109520"/>
-            <a:ext cx="12447000" cy="3311280"/>
-          </a:xfrm>
-          <a:prstGeom prst="rect">
-            <a:avLst/>
-          </a:prstGeom>
-          <a:noFill/>
-          <a:ln>
-            <a:noFill/>
-          </a:ln>
-        </p:spPr>
-        <p:style>
-          <a:lnRef idx="0"/>
-          <a:fillRef idx="0"/>
-          <a:effectRef idx="0"/>
-          <a:fontRef idx="minor"/>
-        </p:style>
-        <p:txBody>
-          <a:bodyPr lIns="90000" rIns="90000" tIns="45000" bIns="45000">
-            <a:noAutofit/>
-          </a:bodyPr>
-          <a:p>
-            <a:pPr marL="430920" indent="-429840">
-              <a:lnSpc>
-                <a:spcPct val="100000"/>
-              </a:lnSpc>
-              <a:spcBef>
-                <a:spcPts val="799"/>
-              </a:spcBef>
-              <a:buClr>
-                <a:srgbClr val="32b9cd"/>
-              </a:buClr>
-              <a:buFont typeface="Arial"/>
-              <a:buChar char="•"/>
-            </a:pPr>
-            <a:r>
-              <a:rPr b="0" lang="pt-BR" sz="4000" spc="-1" strike="noStrike">
-                <a:solidFill>
-                  <a:srgbClr val="000000"/>
-                </a:solidFill>
-                <a:latin typeface="Exo 2"/>
-                <a:ea typeface="DejaVu Sans"/>
-              </a:rPr>
-              <a:t> </a:t>
-            </a:r>
-            <a:endParaRPr b="0" lang="pt-BR" sz="4000" spc="-1" strike="noStrike">
-              <a:latin typeface="Arial"/>
-            </a:endParaRPr>
-          </a:p>
-          <a:p>
-            <a:pPr>
-              <a:lnSpc>
-                <a:spcPct val="100000"/>
-              </a:lnSpc>
-            </a:pPr>
-            <a:endParaRPr b="0" lang="pt-BR" sz="4000" spc="-1" strike="noStrike">
-              <a:latin typeface="Arial"/>
-            </a:endParaRPr>
-          </a:p>
-          <a:p>
-            <a:pPr>
-              <a:lnSpc>
-                <a:spcPct val="100000"/>
-              </a:lnSpc>
-            </a:pPr>
-            <a:endParaRPr b="0" lang="pt-BR" sz="4000" spc="-1" strike="noStrike">
               <a:latin typeface="Arial"/>
             </a:endParaRPr>
           </a:p>
@@ -5366,85 +5244,6 @@
       <p:transition spd="slow"/>
     </mc:Fallback>
   </mc:AlternateContent>
-  <p:timing>
-    <p:tnLst>
-      <p:par>
-        <p:cTn id="33" dur="indefinite" restart="never" nodeType="tmRoot">
-          <p:childTnLst>
-            <p:seq>
-              <p:cTn id="34" dur="indefinite" nodeType="mainSeq">
-                <p:childTnLst>
-                  <p:par>
-                    <p:cTn id="35" fill="hold">
-                      <p:stCondLst>
-                        <p:cond delay="indefinite"/>
-                      </p:stCondLst>
-                      <p:childTnLst>
-                        <p:par>
-                          <p:cTn id="36" fill="hold">
-                            <p:stCondLst>
-                              <p:cond delay="0"/>
-                            </p:stCondLst>
-                            <p:childTnLst>
-                              <p:par>
-                                <p:cTn id="37" nodeType="clickEffect" fill="hold" presetClass="entr" presetID="1">
-                                  <p:stCondLst>
-                                    <p:cond delay="0"/>
-                                  </p:stCondLst>
-                                  <p:childTnLst>
-                                    <p:set>
-                                      <p:cBhvr>
-                                        <p:cTn id="38" dur="1" fill="hold">
-                                          <p:stCondLst>
-                                            <p:cond delay="0"/>
-                                          </p:stCondLst>
-                                        </p:cTn>
-                                        <p:tgtEl>
-                                          <p:spTgt spid="135">
-                                            <p:txEl>
-                                              <p:pRg st="0" end="0"/>
-                                            </p:txEl>
-                                          </p:spTgt>
-                                        </p:tgtEl>
-                                        <p:attrNameLst>
-                                          <p:attrName>style.visibility</p:attrName>
-                                        </p:attrNameLst>
-                                      </p:cBhvr>
-                                      <p:to>
-                                        <p:strVal val="visible"/>
-                                      </p:to>
-                                    </p:set>
-                                  </p:childTnLst>
-                                </p:cTn>
-                              </p:par>
-                            </p:childTnLst>
-                          </p:cTn>
-                        </p:par>
-                      </p:childTnLst>
-                    </p:cTn>
-                  </p:par>
-                </p:childTnLst>
-              </p:cTn>
-              <p:prevCondLst>
-                <p:cond evt="onPrev">
-                  <p:tgtEl>
-                    <p:sldTgt/>
-                  </p:tgtEl>
-                </p:cond>
-              </p:prevCondLst>
-              <p:nextCondLst>
-                <p:cond evt="onNext">
-                  <p:tgtEl>
-                    <p:sldTgt/>
-                  </p:tgtEl>
-                </p:cond>
-              </p:nextCondLst>
-            </p:seq>
-          </p:childTnLst>
-        </p:cTn>
-      </p:par>
-    </p:tnLst>
-  </p:timing>
 </p:sld>
 </file>
 
@@ -5467,14 +5266,14 @@
       </p:grpSpPr>
       <p:sp>
         <p:nvSpPr>
-          <p:cNvPr id="136" name="CustomShape 1"/>
+          <p:cNvPr id="140" name="CustomShape 1"/>
           <p:cNvSpPr/>
           <p:nvPr/>
         </p:nvSpPr>
         <p:spPr>
           <a:xfrm>
             <a:off x="12605400" y="7237080"/>
-            <a:ext cx="627480" cy="213120"/>
+            <a:ext cx="627120" cy="212760"/>
           </a:xfrm>
           <a:prstGeom prst="rect">
             <a:avLst/>
@@ -5500,7 +5299,7 @@
                 <a:spcPct val="100000"/>
               </a:lnSpc>
             </a:pPr>
-            <a:fld id="{19FEC988-E80D-4B68-A2E3-3F4BC10725B8}" type="slidenum">
+            <a:fld id="{5DF8A8E8-EC79-42A9-BA24-9E174573651E}" type="slidenum">
               <a:rPr b="1" lang="pt-BR" sz="1260" spc="-1" strike="noStrike">
                 <a:solidFill>
                   <a:srgbClr val="ffffff"/>
@@ -5518,14 +5317,14 @@
       </p:sp>
       <p:sp>
         <p:nvSpPr>
-          <p:cNvPr id="137" name="CustomShape 2"/>
+          <p:cNvPr id="141" name="CustomShape 2"/>
           <p:cNvSpPr/>
           <p:nvPr/>
         </p:nvSpPr>
         <p:spPr>
           <a:xfrm>
             <a:off x="2184840" y="108360"/>
-            <a:ext cx="10781640" cy="764640"/>
+            <a:ext cx="10781280" cy="764280"/>
           </a:xfrm>
           <a:prstGeom prst="rect">
             <a:avLst/>
@@ -5546,7 +5345,7 @@
             <a:noAutofit/>
           </a:bodyPr>
           <a:p>
-            <a:pPr marL="430920" indent="-429840">
+            <a:pPr marL="430920" indent="-429480">
               <a:lnSpc>
                 <a:spcPct val="100000"/>
               </a:lnSpc>
@@ -5565,9 +5364,567 @@
                 <a:latin typeface="Exo 2"/>
                 <a:ea typeface="DejaVu Sans"/>
               </a:rPr>
-              <a:t>4. Mapa de Empatia – Em Socioemocional</a:t>
+              <a:t>5. Jornada – Simplificada</a:t>
             </a:r>
             <a:endParaRPr b="0" lang="pt-BR" sz="3770" spc="-1" strike="noStrike">
+              <a:latin typeface="Arial"/>
+            </a:endParaRPr>
+          </a:p>
+        </p:txBody>
+      </p:sp>
+      <p:sp>
+        <p:nvSpPr>
+          <p:cNvPr id="142" name="CustomShape 3"/>
+          <p:cNvSpPr/>
+          <p:nvPr/>
+        </p:nvSpPr>
+        <p:spPr>
+          <a:xfrm>
+            <a:off x="2630880" y="1339560"/>
+            <a:ext cx="2517120" cy="624240"/>
+          </a:xfrm>
+          <a:prstGeom prst="homePlate">
+            <a:avLst>
+              <a:gd name="adj" fmla="val 50000"/>
+            </a:avLst>
+          </a:prstGeom>
+          <a:solidFill>
+            <a:srgbClr val="32b9cd"/>
+          </a:solidFill>
+          <a:ln>
+            <a:noFill/>
+          </a:ln>
+        </p:spPr>
+        <p:style>
+          <a:lnRef idx="2">
+            <a:schemeClr val="accent1">
+              <a:shade val="50000"/>
+            </a:schemeClr>
+          </a:lnRef>
+          <a:fillRef idx="1">
+            <a:schemeClr val="accent1"/>
+          </a:fillRef>
+          <a:effectRef idx="0">
+            <a:schemeClr val="accent1"/>
+          </a:effectRef>
+          <a:fontRef idx="minor"/>
+        </p:style>
+        <p:txBody>
+          <a:bodyPr lIns="90000" rIns="90000" tIns="45000" bIns="45000" anchor="ctr">
+            <a:noAutofit/>
+          </a:bodyPr>
+          <a:p>
+            <a:pPr algn="ctr">
+              <a:lnSpc>
+                <a:spcPct val="100000"/>
+              </a:lnSpc>
+            </a:pPr>
+            <a:r>
+              <a:rPr b="0" lang="pt-BR" sz="2100" spc="-1" strike="noStrike">
+                <a:solidFill>
+                  <a:srgbClr val="ffffff"/>
+                </a:solidFill>
+                <a:latin typeface="Calibri"/>
+                <a:ea typeface="DejaVu Sans"/>
+              </a:rPr>
+              <a:t>FASES UTILIZADOR</a:t>
+            </a:r>
+            <a:endParaRPr b="0" lang="pt-BR" sz="2100" spc="-1" strike="noStrike">
+              <a:latin typeface="Arial"/>
+            </a:endParaRPr>
+          </a:p>
+        </p:txBody>
+      </p:sp>
+      <p:sp>
+        <p:nvSpPr>
+          <p:cNvPr id="143" name="CustomShape 4"/>
+          <p:cNvSpPr/>
+          <p:nvPr/>
+        </p:nvSpPr>
+        <p:spPr>
+          <a:xfrm>
+            <a:off x="5149440" y="1339560"/>
+            <a:ext cx="2517120" cy="624240"/>
+          </a:xfrm>
+          <a:prstGeom prst="homePlate">
+            <a:avLst>
+              <a:gd name="adj" fmla="val 50000"/>
+            </a:avLst>
+          </a:prstGeom>
+          <a:solidFill>
+            <a:srgbClr val="32b9cd"/>
+          </a:solidFill>
+          <a:ln>
+            <a:noFill/>
+          </a:ln>
+        </p:spPr>
+        <p:style>
+          <a:lnRef idx="2">
+            <a:schemeClr val="accent1">
+              <a:shade val="50000"/>
+            </a:schemeClr>
+          </a:lnRef>
+          <a:fillRef idx="1">
+            <a:schemeClr val="accent1"/>
+          </a:fillRef>
+          <a:effectRef idx="0">
+            <a:schemeClr val="accent1"/>
+          </a:effectRef>
+          <a:fontRef idx="minor"/>
+        </p:style>
+        <p:txBody>
+          <a:bodyPr lIns="90000" rIns="90000" tIns="45000" bIns="45000" anchor="ctr">
+            <a:noAutofit/>
+          </a:bodyPr>
+          <a:p>
+            <a:pPr algn="ctr">
+              <a:lnSpc>
+                <a:spcPct val="100000"/>
+              </a:lnSpc>
+            </a:pPr>
+            <a:r>
+              <a:rPr b="0" lang="pt-BR" sz="2100" spc="-1" strike="noStrike">
+                <a:solidFill>
+                  <a:srgbClr val="ffffff"/>
+                </a:solidFill>
+                <a:latin typeface="Calibri"/>
+                <a:ea typeface="DejaVu Sans"/>
+              </a:rPr>
+              <a:t>FASES UTILIZADOR</a:t>
+            </a:r>
+            <a:endParaRPr b="0" lang="pt-BR" sz="2100" spc="-1" strike="noStrike">
+              <a:latin typeface="Arial"/>
+            </a:endParaRPr>
+          </a:p>
+        </p:txBody>
+      </p:sp>
+      <p:sp>
+        <p:nvSpPr>
+          <p:cNvPr id="144" name="CustomShape 5"/>
+          <p:cNvSpPr/>
+          <p:nvPr/>
+        </p:nvSpPr>
+        <p:spPr>
+          <a:xfrm>
+            <a:off x="7712640" y="1339560"/>
+            <a:ext cx="2517120" cy="624240"/>
+          </a:xfrm>
+          <a:prstGeom prst="homePlate">
+            <a:avLst>
+              <a:gd name="adj" fmla="val 50000"/>
+            </a:avLst>
+          </a:prstGeom>
+          <a:solidFill>
+            <a:srgbClr val="32b9cd"/>
+          </a:solidFill>
+          <a:ln>
+            <a:noFill/>
+          </a:ln>
+        </p:spPr>
+        <p:style>
+          <a:lnRef idx="2">
+            <a:schemeClr val="accent1">
+              <a:shade val="50000"/>
+            </a:schemeClr>
+          </a:lnRef>
+          <a:fillRef idx="1">
+            <a:schemeClr val="accent1"/>
+          </a:fillRef>
+          <a:effectRef idx="0">
+            <a:schemeClr val="accent1"/>
+          </a:effectRef>
+          <a:fontRef idx="minor"/>
+        </p:style>
+        <p:txBody>
+          <a:bodyPr lIns="90000" rIns="90000" tIns="45000" bIns="45000" anchor="ctr">
+            <a:noAutofit/>
+          </a:bodyPr>
+          <a:p>
+            <a:pPr algn="ctr">
+              <a:lnSpc>
+                <a:spcPct val="100000"/>
+              </a:lnSpc>
+            </a:pPr>
+            <a:r>
+              <a:rPr b="0" lang="pt-BR" sz="2100" spc="-1" strike="noStrike">
+                <a:solidFill>
+                  <a:srgbClr val="ffffff"/>
+                </a:solidFill>
+                <a:latin typeface="Calibri"/>
+                <a:ea typeface="DejaVu Sans"/>
+              </a:rPr>
+              <a:t>FASES UTILIZADOR</a:t>
+            </a:r>
+            <a:endParaRPr b="0" lang="pt-BR" sz="2100" spc="-1" strike="noStrike">
+              <a:latin typeface="Arial"/>
+            </a:endParaRPr>
+          </a:p>
+        </p:txBody>
+      </p:sp>
+      <p:sp>
+        <p:nvSpPr>
+          <p:cNvPr id="145" name="CustomShape 6"/>
+          <p:cNvSpPr/>
+          <p:nvPr/>
+        </p:nvSpPr>
+        <p:spPr>
+          <a:xfrm>
+            <a:off x="10319400" y="1339560"/>
+            <a:ext cx="2517120" cy="624240"/>
+          </a:xfrm>
+          <a:prstGeom prst="homePlate">
+            <a:avLst>
+              <a:gd name="adj" fmla="val 50000"/>
+            </a:avLst>
+          </a:prstGeom>
+          <a:solidFill>
+            <a:srgbClr val="32b9cd"/>
+          </a:solidFill>
+          <a:ln>
+            <a:noFill/>
+          </a:ln>
+        </p:spPr>
+        <p:style>
+          <a:lnRef idx="2">
+            <a:schemeClr val="accent1">
+              <a:shade val="50000"/>
+            </a:schemeClr>
+          </a:lnRef>
+          <a:fillRef idx="1">
+            <a:schemeClr val="accent1"/>
+          </a:fillRef>
+          <a:effectRef idx="0">
+            <a:schemeClr val="accent1"/>
+          </a:effectRef>
+          <a:fontRef idx="minor"/>
+        </p:style>
+        <p:txBody>
+          <a:bodyPr lIns="90000" rIns="90000" tIns="45000" bIns="45000" anchor="ctr">
+            <a:noAutofit/>
+          </a:bodyPr>
+          <a:p>
+            <a:pPr algn="ctr">
+              <a:lnSpc>
+                <a:spcPct val="100000"/>
+              </a:lnSpc>
+            </a:pPr>
+            <a:r>
+              <a:rPr b="0" lang="pt-BR" sz="2100" spc="-1" strike="noStrike">
+                <a:solidFill>
+                  <a:srgbClr val="ffffff"/>
+                </a:solidFill>
+                <a:latin typeface="Calibri"/>
+                <a:ea typeface="DejaVu Sans"/>
+              </a:rPr>
+              <a:t>FASES UTILIZADOR</a:t>
+            </a:r>
+            <a:endParaRPr b="0" lang="pt-BR" sz="2100" spc="-1" strike="noStrike">
+              <a:latin typeface="Arial"/>
+            </a:endParaRPr>
+          </a:p>
+        </p:txBody>
+      </p:sp>
+      <p:sp>
+        <p:nvSpPr>
+          <p:cNvPr id="146" name="Line 7"/>
+          <p:cNvSpPr/>
+          <p:nvPr/>
+        </p:nvSpPr>
+        <p:spPr>
+          <a:xfrm>
+            <a:off x="248400" y="2106360"/>
+            <a:ext cx="12744000" cy="0"/>
+          </a:xfrm>
+          <a:prstGeom prst="line">
+            <a:avLst/>
+          </a:prstGeom>
+          <a:ln>
+            <a:solidFill>
+              <a:srgbClr val="32b9cd"/>
+            </a:solidFill>
+            <a:round/>
+          </a:ln>
+        </p:spPr>
+        <p:style>
+          <a:lnRef idx="1">
+            <a:schemeClr val="accent1"/>
+          </a:lnRef>
+          <a:fillRef idx="0">
+            <a:schemeClr val="accent1"/>
+          </a:fillRef>
+          <a:effectRef idx="0">
+            <a:schemeClr val="accent1"/>
+          </a:effectRef>
+          <a:fontRef idx="minor"/>
+        </p:style>
+      </p:sp>
+      <p:sp>
+        <p:nvSpPr>
+          <p:cNvPr id="147" name="CustomShape 8"/>
+          <p:cNvSpPr/>
+          <p:nvPr/>
+        </p:nvSpPr>
+        <p:spPr>
+          <a:xfrm>
+            <a:off x="2630880" y="2163960"/>
+            <a:ext cx="2035800" cy="912600"/>
+          </a:xfrm>
+          <a:prstGeom prst="rect">
+            <a:avLst/>
+          </a:prstGeom>
+          <a:noFill/>
+          <a:ln>
+            <a:noFill/>
+          </a:ln>
+        </p:spPr>
+        <p:style>
+          <a:lnRef idx="0"/>
+          <a:fillRef idx="0"/>
+          <a:effectRef idx="0"/>
+          <a:fontRef idx="minor"/>
+        </p:style>
+        <p:txBody>
+          <a:bodyPr lIns="90000" rIns="90000" tIns="45000" bIns="45000">
+            <a:spAutoFit/>
+          </a:bodyPr>
+          <a:p>
+            <a:pPr marL="343080" indent="-341640">
+              <a:lnSpc>
+                <a:spcPct val="100000"/>
+              </a:lnSpc>
+              <a:buClr>
+                <a:srgbClr val="000000"/>
+              </a:buClr>
+              <a:buFont typeface="Arial"/>
+              <a:buChar char="•"/>
+            </a:pPr>
+            <a:r>
+              <a:rPr b="0" lang="pt-BR" sz="1800" spc="-1" strike="noStrike">
+                <a:solidFill>
+                  <a:srgbClr val="000000"/>
+                </a:solidFill>
+                <a:latin typeface="Exo 2"/>
+                <a:ea typeface="DejaVu Sans"/>
+              </a:rPr>
+              <a:t>Ação 1</a:t>
+            </a:r>
+            <a:endParaRPr b="0" lang="pt-BR" sz="1800" spc="-1" strike="noStrike">
+              <a:latin typeface="Arial"/>
+            </a:endParaRPr>
+          </a:p>
+          <a:p>
+            <a:pPr marL="343080" indent="-341640">
+              <a:lnSpc>
+                <a:spcPct val="100000"/>
+              </a:lnSpc>
+              <a:buClr>
+                <a:srgbClr val="000000"/>
+              </a:buClr>
+              <a:buFont typeface="Arial"/>
+              <a:buChar char="•"/>
+            </a:pPr>
+            <a:r>
+              <a:rPr b="0" lang="pt-BR" sz="1800" spc="-1" strike="noStrike">
+                <a:solidFill>
+                  <a:srgbClr val="000000"/>
+                </a:solidFill>
+                <a:latin typeface="Exo 2"/>
+                <a:ea typeface="DejaVu Sans"/>
+              </a:rPr>
+              <a:t>Ação 2</a:t>
+            </a:r>
+            <a:endParaRPr b="0" lang="pt-BR" sz="1800" spc="-1" strike="noStrike">
+              <a:latin typeface="Arial"/>
+            </a:endParaRPr>
+          </a:p>
+          <a:p>
+            <a:pPr marL="343080" indent="-341640">
+              <a:lnSpc>
+                <a:spcPct val="100000"/>
+              </a:lnSpc>
+              <a:buClr>
+                <a:srgbClr val="000000"/>
+              </a:buClr>
+              <a:buFont typeface="Arial"/>
+              <a:buChar char="•"/>
+            </a:pPr>
+            <a:r>
+              <a:rPr b="0" lang="pt-BR" sz="1800" spc="-1" strike="noStrike">
+                <a:solidFill>
+                  <a:srgbClr val="000000"/>
+                </a:solidFill>
+                <a:latin typeface="Exo 2"/>
+                <a:ea typeface="DejaVu Sans"/>
+              </a:rPr>
+              <a:t>Ação 3 </a:t>
+            </a:r>
+            <a:endParaRPr b="0" lang="pt-BR" sz="1800" spc="-1" strike="noStrike">
+              <a:latin typeface="Arial"/>
+            </a:endParaRPr>
+          </a:p>
+        </p:txBody>
+      </p:sp>
+      <p:sp>
+        <p:nvSpPr>
+          <p:cNvPr id="148" name="Line 9"/>
+          <p:cNvSpPr/>
+          <p:nvPr/>
+        </p:nvSpPr>
+        <p:spPr>
+          <a:xfrm>
+            <a:off x="248400" y="3205440"/>
+            <a:ext cx="12744000" cy="0"/>
+          </a:xfrm>
+          <a:prstGeom prst="line">
+            <a:avLst/>
+          </a:prstGeom>
+          <a:ln>
+            <a:solidFill>
+              <a:srgbClr val="32b9cd"/>
+            </a:solidFill>
+            <a:round/>
+          </a:ln>
+        </p:spPr>
+        <p:style>
+          <a:lnRef idx="1">
+            <a:schemeClr val="accent1"/>
+          </a:lnRef>
+          <a:fillRef idx="0">
+            <a:schemeClr val="accent1"/>
+          </a:fillRef>
+          <a:effectRef idx="0">
+            <a:schemeClr val="accent1"/>
+          </a:effectRef>
+          <a:fontRef idx="minor"/>
+        </p:style>
+      </p:sp>
+      <p:sp>
+        <p:nvSpPr>
+          <p:cNvPr id="149" name="CustomShape 10"/>
+          <p:cNvSpPr/>
+          <p:nvPr/>
+        </p:nvSpPr>
+        <p:spPr>
+          <a:xfrm>
+            <a:off x="248760" y="1283400"/>
+            <a:ext cx="2183400" cy="759600"/>
+          </a:xfrm>
+          <a:prstGeom prst="rect">
+            <a:avLst/>
+          </a:prstGeom>
+          <a:noFill/>
+          <a:ln>
+            <a:noFill/>
+          </a:ln>
+        </p:spPr>
+        <p:style>
+          <a:lnRef idx="0"/>
+          <a:fillRef idx="0"/>
+          <a:effectRef idx="0"/>
+          <a:fontRef idx="minor"/>
+        </p:style>
+        <p:txBody>
+          <a:bodyPr lIns="90000" rIns="90000" tIns="45000" bIns="45000">
+            <a:spAutoFit/>
+          </a:bodyPr>
+          <a:p>
+            <a:pPr>
+              <a:lnSpc>
+                <a:spcPct val="100000"/>
+              </a:lnSpc>
+            </a:pPr>
+            <a:r>
+              <a:rPr b="1" lang="pt-BR" sz="2800" spc="-1" strike="noStrike">
+                <a:solidFill>
+                  <a:srgbClr val="e6005a"/>
+                </a:solidFill>
+                <a:latin typeface="Exo 2"/>
+                <a:ea typeface="DejaVu Sans"/>
+              </a:rPr>
+              <a:t>Fases </a:t>
+            </a:r>
+            <a:r>
+              <a:rPr b="1" lang="pt-BR" sz="1600" spc="-1" strike="noStrike">
+                <a:solidFill>
+                  <a:srgbClr val="e6005a"/>
+                </a:solidFill>
+                <a:latin typeface="Exo 2"/>
+                <a:ea typeface="DejaVu Sans"/>
+              </a:rPr>
+              <a:t>(utilizador)</a:t>
+            </a:r>
+            <a:endParaRPr b="0" lang="pt-BR" sz="1600" spc="-1" strike="noStrike">
+              <a:latin typeface="Arial"/>
+            </a:endParaRPr>
+          </a:p>
+        </p:txBody>
+      </p:sp>
+      <p:sp>
+        <p:nvSpPr>
+          <p:cNvPr id="150" name="CustomShape 11"/>
+          <p:cNvSpPr/>
+          <p:nvPr/>
+        </p:nvSpPr>
+        <p:spPr>
+          <a:xfrm>
+            <a:off x="248760" y="2163960"/>
+            <a:ext cx="2183400" cy="1064880"/>
+          </a:xfrm>
+          <a:prstGeom prst="rect">
+            <a:avLst/>
+          </a:prstGeom>
+          <a:noFill/>
+          <a:ln>
+            <a:noFill/>
+          </a:ln>
+        </p:spPr>
+        <p:style>
+          <a:lnRef idx="0"/>
+          <a:fillRef idx="0"/>
+          <a:effectRef idx="0"/>
+          <a:fontRef idx="minor"/>
+        </p:style>
+        <p:txBody>
+          <a:bodyPr lIns="90000" rIns="90000" tIns="45000" bIns="45000">
+            <a:spAutoFit/>
+          </a:bodyPr>
+          <a:p>
+            <a:pPr>
+              <a:lnSpc>
+                <a:spcPct val="100000"/>
+              </a:lnSpc>
+            </a:pPr>
+            <a:r>
+              <a:rPr b="1" lang="pt-BR" sz="2800" spc="-1" strike="noStrike">
+                <a:solidFill>
+                  <a:srgbClr val="e6005a"/>
+                </a:solidFill>
+                <a:latin typeface="Exo 2"/>
+                <a:ea typeface="DejaVu Sans"/>
+              </a:rPr>
+              <a:t>Faz</a:t>
+            </a:r>
+            <a:endParaRPr b="0" lang="pt-BR" sz="2800" spc="-1" strike="noStrike">
+              <a:latin typeface="Arial"/>
+            </a:endParaRPr>
+          </a:p>
+          <a:p>
+            <a:pPr>
+              <a:lnSpc>
+                <a:spcPct val="100000"/>
+              </a:lnSpc>
+            </a:pPr>
+            <a:r>
+              <a:rPr b="1" lang="pt-BR" sz="1800" spc="-1" strike="noStrike">
+                <a:solidFill>
+                  <a:srgbClr val="e6005a"/>
+                </a:solidFill>
+                <a:latin typeface="Exo 2"/>
+                <a:ea typeface="DejaVu Sans"/>
+              </a:rPr>
+              <a:t>(ações do usuário) </a:t>
+            </a:r>
+            <a:endParaRPr b="0" lang="pt-BR" sz="1800" spc="-1" strike="noStrike">
               <a:latin typeface="Arial"/>
             </a:endParaRPr>
           </a:p>
@@ -5575,7 +5932,7 @@
       </p:sp>
       <p:pic>
         <p:nvPicPr>
-          <p:cNvPr id="138" name="Imagem 9" descr="Uma imagem contendo texto, mapa&#10;&#10;Descrição gerada automaticamente"/>
+          <p:cNvPr id="151" name="Gráfico 19" descr="Rosto sorridente sem preenchimento "/>
           <p:cNvPicPr/>
           <p:nvPr/>
         </p:nvPicPr>
@@ -5585,8 +5942,8 @@
         </p:blipFill>
         <p:spPr>
           <a:xfrm>
-            <a:off x="2300400" y="1095840"/>
-            <a:ext cx="8795880" cy="6218280"/>
+            <a:off x="13665960" y="4111920"/>
+            <a:ext cx="912960" cy="912960"/>
           </a:xfrm>
           <a:prstGeom prst="rect">
             <a:avLst/>
@@ -5596,6 +5953,681 @@
           </a:ln>
         </p:spPr>
       </p:pic>
+      <p:pic>
+        <p:nvPicPr>
+          <p:cNvPr id="152" name="Gráfico 21" descr="Rosto neutro sem preenchimento "/>
+          <p:cNvPicPr/>
+          <p:nvPr/>
+        </p:nvPicPr>
+        <p:blipFill>
+          <a:blip r:embed="rId2"/>
+          <a:stretch/>
+        </p:blipFill>
+        <p:spPr>
+          <a:xfrm>
+            <a:off x="13665960" y="3097080"/>
+            <a:ext cx="912960" cy="912960"/>
+          </a:xfrm>
+          <a:prstGeom prst="rect">
+            <a:avLst/>
+          </a:prstGeom>
+          <a:ln>
+            <a:noFill/>
+          </a:ln>
+        </p:spPr>
+      </p:pic>
+      <p:pic>
+        <p:nvPicPr>
+          <p:cNvPr id="153" name="Gráfico 23" descr="Rosto triste sem preenchimento "/>
+          <p:cNvPicPr/>
+          <p:nvPr/>
+        </p:nvPicPr>
+        <p:blipFill>
+          <a:blip r:embed="rId3"/>
+          <a:stretch/>
+        </p:blipFill>
+        <p:spPr>
+          <a:xfrm>
+            <a:off x="13665960" y="2119680"/>
+            <a:ext cx="912960" cy="912960"/>
+          </a:xfrm>
+          <a:prstGeom prst="rect">
+            <a:avLst/>
+          </a:prstGeom>
+          <a:ln>
+            <a:noFill/>
+          </a:ln>
+        </p:spPr>
+      </p:pic>
+      <p:pic>
+        <p:nvPicPr>
+          <p:cNvPr id="154" name="Gráfico 25" descr="Rosto sorrindo sem preenchimento "/>
+          <p:cNvPicPr/>
+          <p:nvPr/>
+        </p:nvPicPr>
+        <p:blipFill>
+          <a:blip r:embed="rId4"/>
+          <a:stretch/>
+        </p:blipFill>
+        <p:spPr>
+          <a:xfrm>
+            <a:off x="13665960" y="1138320"/>
+            <a:ext cx="912960" cy="912960"/>
+          </a:xfrm>
+          <a:prstGeom prst="rect">
+            <a:avLst/>
+          </a:prstGeom>
+          <a:ln>
+            <a:noFill/>
+          </a:ln>
+        </p:spPr>
+      </p:pic>
+      <p:pic>
+        <p:nvPicPr>
+          <p:cNvPr id="155" name="Gráfico 27" descr="Rosto surpreso sem preenchimento "/>
+          <p:cNvPicPr/>
+          <p:nvPr/>
+        </p:nvPicPr>
+        <p:blipFill>
+          <a:blip r:embed="rId5"/>
+          <a:stretch/>
+        </p:blipFill>
+        <p:spPr>
+          <a:xfrm>
+            <a:off x="2975760" y="3216960"/>
+            <a:ext cx="912960" cy="912960"/>
+          </a:xfrm>
+          <a:prstGeom prst="rect">
+            <a:avLst/>
+          </a:prstGeom>
+          <a:ln>
+            <a:noFill/>
+          </a:ln>
+        </p:spPr>
+      </p:pic>
+      <p:pic>
+        <p:nvPicPr>
+          <p:cNvPr id="156" name="Gráfico 28" descr="Rosto sorridente sem preenchimento "/>
+          <p:cNvPicPr/>
+          <p:nvPr/>
+        </p:nvPicPr>
+        <p:blipFill>
+          <a:blip r:embed="rId6"/>
+          <a:stretch/>
+        </p:blipFill>
+        <p:spPr>
+          <a:xfrm>
+            <a:off x="13665960" y="5118840"/>
+            <a:ext cx="912960" cy="912960"/>
+          </a:xfrm>
+          <a:prstGeom prst="rect">
+            <a:avLst/>
+          </a:prstGeom>
+          <a:ln>
+            <a:noFill/>
+          </a:ln>
+        </p:spPr>
+      </p:pic>
+      <p:sp>
+        <p:nvSpPr>
+          <p:cNvPr id="157" name="CustomShape 12"/>
+          <p:cNvSpPr/>
+          <p:nvPr/>
+        </p:nvSpPr>
+        <p:spPr>
+          <a:xfrm>
+            <a:off x="248760" y="3295800"/>
+            <a:ext cx="2380680" cy="1126080"/>
+          </a:xfrm>
+          <a:prstGeom prst="rect">
+            <a:avLst/>
+          </a:prstGeom>
+          <a:noFill/>
+          <a:ln>
+            <a:noFill/>
+          </a:ln>
+        </p:spPr>
+        <p:style>
+          <a:lnRef idx="0"/>
+          <a:fillRef idx="0"/>
+          <a:effectRef idx="0"/>
+          <a:fontRef idx="minor"/>
+        </p:style>
+        <p:txBody>
+          <a:bodyPr lIns="90000" rIns="90000" tIns="45000" bIns="45000">
+            <a:spAutoFit/>
+          </a:bodyPr>
+          <a:p>
+            <a:pPr>
+              <a:lnSpc>
+                <a:spcPct val="100000"/>
+              </a:lnSpc>
+            </a:pPr>
+            <a:r>
+              <a:rPr b="1" lang="pt-BR" sz="2800" spc="-1" strike="noStrike">
+                <a:solidFill>
+                  <a:srgbClr val="e6005a"/>
+                </a:solidFill>
+                <a:latin typeface="Exo 2"/>
+                <a:ea typeface="DejaVu Sans"/>
+              </a:rPr>
+              <a:t>Sente</a:t>
+            </a:r>
+            <a:endParaRPr b="0" lang="pt-BR" sz="2800" spc="-1" strike="noStrike">
+              <a:latin typeface="Arial"/>
+            </a:endParaRPr>
+          </a:p>
+          <a:p>
+            <a:pPr>
+              <a:lnSpc>
+                <a:spcPct val="100000"/>
+              </a:lnSpc>
+            </a:pPr>
+            <a:r>
+              <a:rPr b="1" lang="pt-BR" sz="2000" spc="-1" strike="noStrike">
+                <a:solidFill>
+                  <a:srgbClr val="e6005a"/>
+                </a:solidFill>
+                <a:latin typeface="Exo 2"/>
+                <a:ea typeface="DejaVu Sans"/>
+              </a:rPr>
+              <a:t>(dores do usuário) </a:t>
+            </a:r>
+            <a:endParaRPr b="0" lang="pt-BR" sz="2000" spc="-1" strike="noStrike">
+              <a:latin typeface="Arial"/>
+            </a:endParaRPr>
+          </a:p>
+        </p:txBody>
+      </p:sp>
+      <p:sp>
+        <p:nvSpPr>
+          <p:cNvPr id="158" name="Line 13"/>
+          <p:cNvSpPr/>
+          <p:nvPr/>
+        </p:nvSpPr>
+        <p:spPr>
+          <a:xfrm>
+            <a:off x="248400" y="4320360"/>
+            <a:ext cx="12744000" cy="0"/>
+          </a:xfrm>
+          <a:prstGeom prst="line">
+            <a:avLst/>
+          </a:prstGeom>
+          <a:ln>
+            <a:solidFill>
+              <a:srgbClr val="32b9cd"/>
+            </a:solidFill>
+            <a:round/>
+          </a:ln>
+        </p:spPr>
+        <p:style>
+          <a:lnRef idx="1">
+            <a:schemeClr val="accent1"/>
+          </a:lnRef>
+          <a:fillRef idx="0">
+            <a:schemeClr val="accent1"/>
+          </a:fillRef>
+          <a:effectRef idx="0">
+            <a:schemeClr val="accent1"/>
+          </a:effectRef>
+          <a:fontRef idx="minor"/>
+        </p:style>
+      </p:sp>
+      <p:sp>
+        <p:nvSpPr>
+          <p:cNvPr id="159" name="CustomShape 14"/>
+          <p:cNvSpPr/>
+          <p:nvPr/>
+        </p:nvSpPr>
+        <p:spPr>
+          <a:xfrm>
+            <a:off x="2719080" y="4610520"/>
+            <a:ext cx="2035800" cy="1735560"/>
+          </a:xfrm>
+          <a:prstGeom prst="rect">
+            <a:avLst/>
+          </a:prstGeom>
+          <a:noFill/>
+          <a:ln>
+            <a:noFill/>
+          </a:ln>
+        </p:spPr>
+        <p:style>
+          <a:lnRef idx="0"/>
+          <a:fillRef idx="0"/>
+          <a:effectRef idx="0"/>
+          <a:fontRef idx="minor"/>
+        </p:style>
+        <p:txBody>
+          <a:bodyPr lIns="90000" rIns="90000" tIns="45000" bIns="45000">
+            <a:spAutoFit/>
+          </a:bodyPr>
+          <a:p>
+            <a:pPr marL="343080" indent="-341640">
+              <a:lnSpc>
+                <a:spcPct val="100000"/>
+              </a:lnSpc>
+              <a:buClr>
+                <a:srgbClr val="000000"/>
+              </a:buClr>
+              <a:buFont typeface="Arial"/>
+              <a:buChar char="•"/>
+            </a:pPr>
+            <a:r>
+              <a:rPr b="0" lang="pt-BR" sz="1800" spc="-1" strike="noStrike">
+                <a:solidFill>
+                  <a:srgbClr val="000000"/>
+                </a:solidFill>
+                <a:latin typeface="Exo 2"/>
+                <a:ea typeface="DejaVu Sans"/>
+              </a:rPr>
+              <a:t>Pensamento 1</a:t>
+            </a:r>
+            <a:endParaRPr b="0" lang="pt-BR" sz="1800" spc="-1" strike="noStrike">
+              <a:latin typeface="Arial"/>
+            </a:endParaRPr>
+          </a:p>
+          <a:p>
+            <a:pPr marL="343080" indent="-341640">
+              <a:lnSpc>
+                <a:spcPct val="100000"/>
+              </a:lnSpc>
+              <a:buClr>
+                <a:srgbClr val="000000"/>
+              </a:buClr>
+              <a:buFont typeface="Arial"/>
+              <a:buChar char="•"/>
+            </a:pPr>
+            <a:r>
+              <a:rPr b="0" lang="pt-BR" sz="1800" spc="-1" strike="noStrike">
+                <a:solidFill>
+                  <a:srgbClr val="000000"/>
+                </a:solidFill>
+                <a:latin typeface="Exo 2"/>
+                <a:ea typeface="DejaVu Sans"/>
+              </a:rPr>
+              <a:t>Pensamento 2</a:t>
+            </a:r>
+            <a:endParaRPr b="0" lang="pt-BR" sz="1800" spc="-1" strike="noStrike">
+              <a:latin typeface="Arial"/>
+            </a:endParaRPr>
+          </a:p>
+          <a:p>
+            <a:pPr marL="343080" indent="-341640">
+              <a:lnSpc>
+                <a:spcPct val="100000"/>
+              </a:lnSpc>
+              <a:buClr>
+                <a:srgbClr val="000000"/>
+              </a:buClr>
+              <a:buFont typeface="Arial"/>
+              <a:buChar char="•"/>
+            </a:pPr>
+            <a:r>
+              <a:rPr b="0" lang="pt-BR" sz="1800" spc="-1" strike="noStrike">
+                <a:solidFill>
+                  <a:srgbClr val="000000"/>
+                </a:solidFill>
+                <a:latin typeface="Exo 2"/>
+                <a:ea typeface="DejaVu Sans"/>
+              </a:rPr>
+              <a:t>Pensamento 3</a:t>
+            </a:r>
+            <a:endParaRPr b="0" lang="pt-BR" sz="1800" spc="-1" strike="noStrike">
+              <a:latin typeface="Arial"/>
+            </a:endParaRPr>
+          </a:p>
+        </p:txBody>
+      </p:sp>
+      <p:sp>
+        <p:nvSpPr>
+          <p:cNvPr id="160" name="Line 15"/>
+          <p:cNvSpPr/>
+          <p:nvPr/>
+        </p:nvSpPr>
+        <p:spPr>
+          <a:xfrm>
+            <a:off x="248400" y="5796360"/>
+            <a:ext cx="12744000" cy="0"/>
+          </a:xfrm>
+          <a:prstGeom prst="line">
+            <a:avLst/>
+          </a:prstGeom>
+          <a:ln>
+            <a:solidFill>
+              <a:srgbClr val="32b9cd"/>
+            </a:solidFill>
+            <a:round/>
+          </a:ln>
+        </p:spPr>
+        <p:style>
+          <a:lnRef idx="1">
+            <a:schemeClr val="accent1"/>
+          </a:lnRef>
+          <a:fillRef idx="0">
+            <a:schemeClr val="accent1"/>
+          </a:fillRef>
+          <a:effectRef idx="0">
+            <a:schemeClr val="accent1"/>
+          </a:effectRef>
+          <a:fontRef idx="minor"/>
+        </p:style>
+      </p:sp>
+      <p:sp>
+        <p:nvSpPr>
+          <p:cNvPr id="161" name="CustomShape 16"/>
+          <p:cNvSpPr/>
+          <p:nvPr/>
+        </p:nvSpPr>
+        <p:spPr>
+          <a:xfrm>
+            <a:off x="248760" y="4610520"/>
+            <a:ext cx="2183400" cy="821160"/>
+          </a:xfrm>
+          <a:prstGeom prst="rect">
+            <a:avLst/>
+          </a:prstGeom>
+          <a:noFill/>
+          <a:ln>
+            <a:noFill/>
+          </a:ln>
+        </p:spPr>
+        <p:style>
+          <a:lnRef idx="0"/>
+          <a:fillRef idx="0"/>
+          <a:effectRef idx="0"/>
+          <a:fontRef idx="minor"/>
+        </p:style>
+        <p:txBody>
+          <a:bodyPr lIns="90000" rIns="90000" tIns="45000" bIns="45000">
+            <a:spAutoFit/>
+          </a:bodyPr>
+          <a:p>
+            <a:pPr>
+              <a:lnSpc>
+                <a:spcPct val="100000"/>
+              </a:lnSpc>
+            </a:pPr>
+            <a:r>
+              <a:rPr b="1" lang="pt-BR" sz="2800" spc="-1" strike="noStrike">
+                <a:solidFill>
+                  <a:srgbClr val="e6005a"/>
+                </a:solidFill>
+                <a:latin typeface="Exo 2"/>
+                <a:ea typeface="DejaVu Sans"/>
+              </a:rPr>
+              <a:t>Pensa</a:t>
+            </a:r>
+            <a:endParaRPr b="0" lang="pt-BR" sz="2800" spc="-1" strike="noStrike">
+              <a:latin typeface="Arial"/>
+            </a:endParaRPr>
+          </a:p>
+          <a:p>
+            <a:pPr>
+              <a:lnSpc>
+                <a:spcPct val="100000"/>
+              </a:lnSpc>
+            </a:pPr>
+            <a:r>
+              <a:rPr b="1" lang="pt-BR" sz="2000" spc="-1" strike="noStrike">
+                <a:solidFill>
+                  <a:srgbClr val="e6005a"/>
+                </a:solidFill>
+                <a:latin typeface="Exo 2"/>
+                <a:ea typeface="DejaVu Sans"/>
+              </a:rPr>
+              <a:t>(usuário) </a:t>
+            </a:r>
+            <a:endParaRPr b="0" lang="pt-BR" sz="2000" spc="-1" strike="noStrike">
+              <a:latin typeface="Arial"/>
+            </a:endParaRPr>
+          </a:p>
+        </p:txBody>
+      </p:sp>
+      <p:pic>
+        <p:nvPicPr>
+          <p:cNvPr id="162" name="Gráfico 38" descr="Envelope"/>
+          <p:cNvPicPr/>
+          <p:nvPr/>
+        </p:nvPicPr>
+        <p:blipFill>
+          <a:blip r:embed="rId7"/>
+          <a:stretch/>
+        </p:blipFill>
+        <p:spPr>
+          <a:xfrm>
+            <a:off x="-1690200" y="125280"/>
+            <a:ext cx="912960" cy="912960"/>
+          </a:xfrm>
+          <a:prstGeom prst="rect">
+            <a:avLst/>
+          </a:prstGeom>
+          <a:ln>
+            <a:noFill/>
+          </a:ln>
+        </p:spPr>
+      </p:pic>
+      <p:pic>
+        <p:nvPicPr>
+          <p:cNvPr id="163" name="Gráfico 44" descr="Baixar da nuvem"/>
+          <p:cNvPicPr/>
+          <p:nvPr/>
+        </p:nvPicPr>
+        <p:blipFill>
+          <a:blip r:embed="rId8"/>
+          <a:stretch/>
+        </p:blipFill>
+        <p:spPr>
+          <a:xfrm>
+            <a:off x="-1739880" y="3034080"/>
+            <a:ext cx="912960" cy="912960"/>
+          </a:xfrm>
+          <a:prstGeom prst="rect">
+            <a:avLst/>
+          </a:prstGeom>
+          <a:ln>
+            <a:noFill/>
+          </a:ln>
+        </p:spPr>
+      </p:pic>
+      <p:pic>
+        <p:nvPicPr>
+          <p:cNvPr id="164" name="Gráfico 46" descr="Call center"/>
+          <p:cNvPicPr/>
+          <p:nvPr/>
+        </p:nvPicPr>
+        <p:blipFill>
+          <a:blip r:embed="rId9"/>
+          <a:stretch/>
+        </p:blipFill>
+        <p:spPr>
+          <a:xfrm>
+            <a:off x="-1739880" y="1029240"/>
+            <a:ext cx="912960" cy="912960"/>
+          </a:xfrm>
+          <a:prstGeom prst="rect">
+            <a:avLst/>
+          </a:prstGeom>
+          <a:ln>
+            <a:noFill/>
+          </a:ln>
+        </p:spPr>
+      </p:pic>
+      <p:pic>
+        <p:nvPicPr>
+          <p:cNvPr id="165" name="Gráfico 48" descr="Fala"/>
+          <p:cNvPicPr/>
+          <p:nvPr/>
+        </p:nvPicPr>
+        <p:blipFill>
+          <a:blip r:embed="rId10"/>
+          <a:stretch/>
+        </p:blipFill>
+        <p:spPr>
+          <a:xfrm>
+            <a:off x="-1739880" y="2119680"/>
+            <a:ext cx="912960" cy="912960"/>
+          </a:xfrm>
+          <a:prstGeom prst="rect">
+            <a:avLst/>
+          </a:prstGeom>
+          <a:ln>
+            <a:noFill/>
+          </a:ln>
+        </p:spPr>
+      </p:pic>
+      <p:sp>
+        <p:nvSpPr>
+          <p:cNvPr id="166" name="CustomShape 17"/>
+          <p:cNvSpPr/>
+          <p:nvPr/>
+        </p:nvSpPr>
+        <p:spPr>
+          <a:xfrm>
+            <a:off x="256680" y="5987520"/>
+            <a:ext cx="2183400" cy="790560"/>
+          </a:xfrm>
+          <a:prstGeom prst="rect">
+            <a:avLst/>
+          </a:prstGeom>
+          <a:noFill/>
+          <a:ln>
+            <a:noFill/>
+          </a:ln>
+        </p:spPr>
+        <p:style>
+          <a:lnRef idx="0"/>
+          <a:fillRef idx="0"/>
+          <a:effectRef idx="0"/>
+          <a:fontRef idx="minor"/>
+        </p:style>
+        <p:txBody>
+          <a:bodyPr lIns="90000" rIns="90000" tIns="45000" bIns="45000">
+            <a:spAutoFit/>
+          </a:bodyPr>
+          <a:p>
+            <a:pPr>
+              <a:lnSpc>
+                <a:spcPct val="100000"/>
+              </a:lnSpc>
+            </a:pPr>
+            <a:r>
+              <a:rPr b="1" lang="pt-BR" sz="2800" spc="-1" strike="noStrike">
+                <a:solidFill>
+                  <a:srgbClr val="e6005a"/>
+                </a:solidFill>
+                <a:latin typeface="Exo 2"/>
+                <a:ea typeface="DejaVu Sans"/>
+              </a:rPr>
+              <a:t>Proposta</a:t>
+            </a:r>
+            <a:endParaRPr b="0" lang="pt-BR" sz="2800" spc="-1" strike="noStrike">
+              <a:latin typeface="Arial"/>
+            </a:endParaRPr>
+          </a:p>
+          <a:p>
+            <a:pPr>
+              <a:lnSpc>
+                <a:spcPct val="100000"/>
+              </a:lnSpc>
+            </a:pPr>
+            <a:r>
+              <a:rPr b="1" lang="pt-BR" sz="1800" spc="-1" strike="noStrike">
+                <a:solidFill>
+                  <a:srgbClr val="e6005a"/>
+                </a:solidFill>
+                <a:latin typeface="Exo 2"/>
+                <a:ea typeface="DejaVu Sans"/>
+              </a:rPr>
+              <a:t>(mudanças) </a:t>
+            </a:r>
+            <a:endParaRPr b="0" lang="pt-BR" sz="1800" spc="-1" strike="noStrike">
+              <a:latin typeface="Arial"/>
+            </a:endParaRPr>
+          </a:p>
+        </p:txBody>
+      </p:sp>
+      <p:sp>
+        <p:nvSpPr>
+          <p:cNvPr id="167" name="CustomShape 18"/>
+          <p:cNvSpPr/>
+          <p:nvPr/>
+        </p:nvSpPr>
+        <p:spPr>
+          <a:xfrm>
+            <a:off x="2719080" y="6001200"/>
+            <a:ext cx="2035800" cy="638280"/>
+          </a:xfrm>
+          <a:prstGeom prst="rect">
+            <a:avLst/>
+          </a:prstGeom>
+          <a:noFill/>
+          <a:ln>
+            <a:noFill/>
+          </a:ln>
+        </p:spPr>
+        <p:style>
+          <a:lnRef idx="0"/>
+          <a:fillRef idx="0"/>
+          <a:effectRef idx="0"/>
+          <a:fontRef idx="minor"/>
+        </p:style>
+        <p:txBody>
+          <a:bodyPr lIns="90000" rIns="90000" tIns="45000" bIns="45000">
+            <a:spAutoFit/>
+          </a:bodyPr>
+          <a:p>
+            <a:pPr marL="343080" indent="-341640">
+              <a:lnSpc>
+                <a:spcPct val="100000"/>
+              </a:lnSpc>
+              <a:buClr>
+                <a:srgbClr val="000000"/>
+              </a:buClr>
+              <a:buFont typeface="Arial"/>
+              <a:buChar char="•"/>
+            </a:pPr>
+            <a:r>
+              <a:rPr b="0" lang="pt-BR" sz="1800" spc="-1" strike="noStrike">
+                <a:solidFill>
+                  <a:srgbClr val="000000"/>
+                </a:solidFill>
+                <a:latin typeface="Exo 2"/>
+                <a:ea typeface="DejaVu Sans"/>
+              </a:rPr>
+              <a:t>Fazer isso</a:t>
+            </a:r>
+            <a:endParaRPr b="0" lang="pt-BR" sz="1800" spc="-1" strike="noStrike">
+              <a:latin typeface="Arial"/>
+            </a:endParaRPr>
+          </a:p>
+          <a:p>
+            <a:pPr marL="343080" indent="-341640">
+              <a:lnSpc>
+                <a:spcPct val="100000"/>
+              </a:lnSpc>
+              <a:buClr>
+                <a:srgbClr val="000000"/>
+              </a:buClr>
+              <a:buFont typeface="Arial"/>
+              <a:buChar char="•"/>
+            </a:pPr>
+            <a:r>
+              <a:rPr b="0" lang="pt-BR" sz="1800" spc="-1" strike="noStrike">
+                <a:solidFill>
+                  <a:srgbClr val="000000"/>
+                </a:solidFill>
+                <a:latin typeface="Exo 2"/>
+                <a:ea typeface="DejaVu Sans"/>
+              </a:rPr>
+              <a:t>Fazer aquilo</a:t>
+            </a:r>
+            <a:endParaRPr b="0" lang="pt-BR" sz="1800" spc="-1" strike="noStrike">
+              <a:latin typeface="Arial"/>
+            </a:endParaRPr>
+          </a:p>
+        </p:txBody>
+      </p:sp>
     </p:spTree>
   </p:cSld>
   <mc:AlternateContent>
@@ -5628,14 +6660,14 @@
       </p:grpSpPr>
       <p:sp>
         <p:nvSpPr>
-          <p:cNvPr id="139" name="CustomShape 1"/>
+          <p:cNvPr id="168" name="CustomShape 1"/>
           <p:cNvSpPr/>
           <p:nvPr/>
         </p:nvSpPr>
         <p:spPr>
           <a:xfrm>
             <a:off x="12605400" y="7237080"/>
-            <a:ext cx="627480" cy="213120"/>
+            <a:ext cx="627120" cy="212760"/>
           </a:xfrm>
           <a:prstGeom prst="rect">
             <a:avLst/>
@@ -5661,7 +6693,7 @@
                 <a:spcPct val="100000"/>
               </a:lnSpc>
             </a:pPr>
-            <a:fld id="{135BF65A-7B06-4801-929F-44EF6DA9235A}" type="slidenum">
+            <a:fld id="{285DD71A-09D2-4180-AAF1-9377F2ECFD10}" type="slidenum">
               <a:rPr b="1" lang="pt-BR" sz="1260" spc="-1" strike="noStrike">
                 <a:solidFill>
                   <a:srgbClr val="ffffff"/>
@@ -5669,7 +6701,7 @@
                 <a:latin typeface="Exo 2"/>
                 <a:ea typeface="Tahoma"/>
               </a:rPr>
-              <a:t>2</a:t>
+              <a:t>&lt;número&gt;</a:t>
             </a:fld>
             <a:endParaRPr b="0" lang="pt-BR" sz="1260" spc="-1" strike="noStrike">
               <a:latin typeface="Arial"/>
@@ -5679,14 +6711,14 @@
       </p:sp>
       <p:sp>
         <p:nvSpPr>
-          <p:cNvPr id="140" name="CustomShape 2"/>
+          <p:cNvPr id="169" name="CustomShape 2"/>
           <p:cNvSpPr/>
           <p:nvPr/>
         </p:nvSpPr>
         <p:spPr>
           <a:xfrm>
             <a:off x="2184840" y="108360"/>
-            <a:ext cx="10781640" cy="764640"/>
+            <a:ext cx="10781280" cy="764280"/>
           </a:xfrm>
           <a:prstGeom prst="rect">
             <a:avLst/>
@@ -5707,7 +6739,7 @@
             <a:noAutofit/>
           </a:bodyPr>
           <a:p>
-            <a:pPr marL="430920" indent="-429840">
+            <a:pPr marL="430920" indent="-429480">
               <a:lnSpc>
                 <a:spcPct val="100000"/>
               </a:lnSpc>
@@ -5726,7 +6758,7 @@
                 <a:latin typeface="Exo 2"/>
                 <a:ea typeface="DejaVu Sans"/>
               </a:rPr>
-              <a:t>5. Jornada – Simplificada</a:t>
+              <a:t>Resumo do que precisa ser entregue</a:t>
             </a:r>
             <a:endParaRPr b="0" lang="pt-BR" sz="3770" spc="-1" strike="noStrike">
               <a:latin typeface="Arial"/>
@@ -5736,300 +6768,14 @@
       </p:sp>
       <p:sp>
         <p:nvSpPr>
-          <p:cNvPr id="141" name="CustomShape 3"/>
+          <p:cNvPr id="170" name="CustomShape 3"/>
           <p:cNvSpPr/>
           <p:nvPr/>
         </p:nvSpPr>
         <p:spPr>
           <a:xfrm>
-            <a:off x="2630880" y="1339560"/>
-            <a:ext cx="2517480" cy="624600"/>
-          </a:xfrm>
-          <a:prstGeom prst="homePlate">
-            <a:avLst>
-              <a:gd name="adj" fmla="val 50000"/>
-            </a:avLst>
-          </a:prstGeom>
-          <a:solidFill>
-            <a:srgbClr val="32b9cd"/>
-          </a:solidFill>
-          <a:ln>
-            <a:noFill/>
-          </a:ln>
-        </p:spPr>
-        <p:style>
-          <a:lnRef idx="2">
-            <a:schemeClr val="accent1">
-              <a:shade val="50000"/>
-            </a:schemeClr>
-          </a:lnRef>
-          <a:fillRef idx="1">
-            <a:schemeClr val="accent1"/>
-          </a:fillRef>
-          <a:effectRef idx="0">
-            <a:schemeClr val="accent1"/>
-          </a:effectRef>
-          <a:fontRef idx="minor"/>
-        </p:style>
-        <p:txBody>
-          <a:bodyPr lIns="90000" rIns="90000" tIns="45000" bIns="45000" anchor="ctr">
-            <a:noAutofit/>
-          </a:bodyPr>
-          <a:p>
-            <a:pPr algn="ctr">
-              <a:lnSpc>
-                <a:spcPct val="100000"/>
-              </a:lnSpc>
-            </a:pPr>
-            <a:r>
-              <a:rPr b="0" lang="pt-BR" sz="2100" spc="-1" strike="noStrike">
-                <a:solidFill>
-                  <a:srgbClr val="ffffff"/>
-                </a:solidFill>
-                <a:latin typeface="Calibri"/>
-                <a:ea typeface="DejaVu Sans"/>
-              </a:rPr>
-              <a:t>FASES UTILIZADOR</a:t>
-            </a:r>
-            <a:endParaRPr b="0" lang="pt-BR" sz="2100" spc="-1" strike="noStrike">
-              <a:latin typeface="Arial"/>
-            </a:endParaRPr>
-          </a:p>
-        </p:txBody>
-      </p:sp>
-      <p:sp>
-        <p:nvSpPr>
-          <p:cNvPr id="142" name="CustomShape 4"/>
-          <p:cNvSpPr/>
-          <p:nvPr/>
-        </p:nvSpPr>
-        <p:spPr>
-          <a:xfrm>
-            <a:off x="5149440" y="1339560"/>
-            <a:ext cx="2517480" cy="624600"/>
-          </a:xfrm>
-          <a:prstGeom prst="homePlate">
-            <a:avLst>
-              <a:gd name="adj" fmla="val 50000"/>
-            </a:avLst>
-          </a:prstGeom>
-          <a:solidFill>
-            <a:srgbClr val="32b9cd"/>
-          </a:solidFill>
-          <a:ln>
-            <a:noFill/>
-          </a:ln>
-        </p:spPr>
-        <p:style>
-          <a:lnRef idx="2">
-            <a:schemeClr val="accent1">
-              <a:shade val="50000"/>
-            </a:schemeClr>
-          </a:lnRef>
-          <a:fillRef idx="1">
-            <a:schemeClr val="accent1"/>
-          </a:fillRef>
-          <a:effectRef idx="0">
-            <a:schemeClr val="accent1"/>
-          </a:effectRef>
-          <a:fontRef idx="minor"/>
-        </p:style>
-        <p:txBody>
-          <a:bodyPr lIns="90000" rIns="90000" tIns="45000" bIns="45000" anchor="ctr">
-            <a:noAutofit/>
-          </a:bodyPr>
-          <a:p>
-            <a:pPr algn="ctr">
-              <a:lnSpc>
-                <a:spcPct val="100000"/>
-              </a:lnSpc>
-            </a:pPr>
-            <a:r>
-              <a:rPr b="0" lang="pt-BR" sz="2100" spc="-1" strike="noStrike">
-                <a:solidFill>
-                  <a:srgbClr val="ffffff"/>
-                </a:solidFill>
-                <a:latin typeface="Calibri"/>
-                <a:ea typeface="DejaVu Sans"/>
-              </a:rPr>
-              <a:t>FASES UTILIZADOR</a:t>
-            </a:r>
-            <a:endParaRPr b="0" lang="pt-BR" sz="2100" spc="-1" strike="noStrike">
-              <a:latin typeface="Arial"/>
-            </a:endParaRPr>
-          </a:p>
-        </p:txBody>
-      </p:sp>
-      <p:sp>
-        <p:nvSpPr>
-          <p:cNvPr id="143" name="CustomShape 5"/>
-          <p:cNvSpPr/>
-          <p:nvPr/>
-        </p:nvSpPr>
-        <p:spPr>
-          <a:xfrm>
-            <a:off x="7712640" y="1339560"/>
-            <a:ext cx="2517480" cy="624600"/>
-          </a:xfrm>
-          <a:prstGeom prst="homePlate">
-            <a:avLst>
-              <a:gd name="adj" fmla="val 50000"/>
-            </a:avLst>
-          </a:prstGeom>
-          <a:solidFill>
-            <a:srgbClr val="32b9cd"/>
-          </a:solidFill>
-          <a:ln>
-            <a:noFill/>
-          </a:ln>
-        </p:spPr>
-        <p:style>
-          <a:lnRef idx="2">
-            <a:schemeClr val="accent1">
-              <a:shade val="50000"/>
-            </a:schemeClr>
-          </a:lnRef>
-          <a:fillRef idx="1">
-            <a:schemeClr val="accent1"/>
-          </a:fillRef>
-          <a:effectRef idx="0">
-            <a:schemeClr val="accent1"/>
-          </a:effectRef>
-          <a:fontRef idx="minor"/>
-        </p:style>
-        <p:txBody>
-          <a:bodyPr lIns="90000" rIns="90000" tIns="45000" bIns="45000" anchor="ctr">
-            <a:noAutofit/>
-          </a:bodyPr>
-          <a:p>
-            <a:pPr algn="ctr">
-              <a:lnSpc>
-                <a:spcPct val="100000"/>
-              </a:lnSpc>
-            </a:pPr>
-            <a:r>
-              <a:rPr b="0" lang="pt-BR" sz="2100" spc="-1" strike="noStrike">
-                <a:solidFill>
-                  <a:srgbClr val="ffffff"/>
-                </a:solidFill>
-                <a:latin typeface="Calibri"/>
-                <a:ea typeface="DejaVu Sans"/>
-              </a:rPr>
-              <a:t>FASES UTILIZADOR</a:t>
-            </a:r>
-            <a:endParaRPr b="0" lang="pt-BR" sz="2100" spc="-1" strike="noStrike">
-              <a:latin typeface="Arial"/>
-            </a:endParaRPr>
-          </a:p>
-        </p:txBody>
-      </p:sp>
-      <p:sp>
-        <p:nvSpPr>
-          <p:cNvPr id="144" name="CustomShape 6"/>
-          <p:cNvSpPr/>
-          <p:nvPr/>
-        </p:nvSpPr>
-        <p:spPr>
-          <a:xfrm>
-            <a:off x="10319400" y="1339560"/>
-            <a:ext cx="2517480" cy="624600"/>
-          </a:xfrm>
-          <a:prstGeom prst="homePlate">
-            <a:avLst>
-              <a:gd name="adj" fmla="val 50000"/>
-            </a:avLst>
-          </a:prstGeom>
-          <a:solidFill>
-            <a:srgbClr val="32b9cd"/>
-          </a:solidFill>
-          <a:ln>
-            <a:noFill/>
-          </a:ln>
-        </p:spPr>
-        <p:style>
-          <a:lnRef idx="2">
-            <a:schemeClr val="accent1">
-              <a:shade val="50000"/>
-            </a:schemeClr>
-          </a:lnRef>
-          <a:fillRef idx="1">
-            <a:schemeClr val="accent1"/>
-          </a:fillRef>
-          <a:effectRef idx="0">
-            <a:schemeClr val="accent1"/>
-          </a:effectRef>
-          <a:fontRef idx="minor"/>
-        </p:style>
-        <p:txBody>
-          <a:bodyPr lIns="90000" rIns="90000" tIns="45000" bIns="45000" anchor="ctr">
-            <a:noAutofit/>
-          </a:bodyPr>
-          <a:p>
-            <a:pPr algn="ctr">
-              <a:lnSpc>
-                <a:spcPct val="100000"/>
-              </a:lnSpc>
-            </a:pPr>
-            <a:r>
-              <a:rPr b="0" lang="pt-BR" sz="2100" spc="-1" strike="noStrike">
-                <a:solidFill>
-                  <a:srgbClr val="ffffff"/>
-                </a:solidFill>
-                <a:latin typeface="Calibri"/>
-                <a:ea typeface="DejaVu Sans"/>
-              </a:rPr>
-              <a:t>FASES UTILIZADOR</a:t>
-            </a:r>
-            <a:endParaRPr b="0" lang="pt-BR" sz="2100" spc="-1" strike="noStrike">
-              <a:latin typeface="Arial"/>
-            </a:endParaRPr>
-          </a:p>
-        </p:txBody>
-      </p:sp>
-      <p:sp>
-        <p:nvSpPr>
-          <p:cNvPr id="145" name="Line 7"/>
-          <p:cNvSpPr/>
-          <p:nvPr/>
-        </p:nvSpPr>
-        <p:spPr>
-          <a:xfrm>
-            <a:off x="248400" y="2106360"/>
-            <a:ext cx="12744000" cy="0"/>
-          </a:xfrm>
-          <a:prstGeom prst="line">
-            <a:avLst/>
-          </a:prstGeom>
-          <a:ln>
-            <a:solidFill>
-              <a:srgbClr val="32b9cd"/>
-            </a:solidFill>
-            <a:round/>
-          </a:ln>
-        </p:spPr>
-        <p:style>
-          <a:lnRef idx="1">
-            <a:schemeClr val="accent1"/>
-          </a:lnRef>
-          <a:fillRef idx="0">
-            <a:schemeClr val="accent1"/>
-          </a:fillRef>
-          <a:effectRef idx="0">
-            <a:schemeClr val="accent1"/>
-          </a:effectRef>
-          <a:fontRef idx="minor"/>
-        </p:style>
-      </p:sp>
-      <p:sp>
-        <p:nvSpPr>
-          <p:cNvPr id="146" name="CustomShape 8"/>
-          <p:cNvSpPr/>
-          <p:nvPr/>
-        </p:nvSpPr>
-        <p:spPr>
-          <a:xfrm>
-            <a:off x="2630880" y="2163960"/>
-            <a:ext cx="2036160" cy="912600"/>
+            <a:off x="534960" y="1542600"/>
+            <a:ext cx="12525120" cy="5759640"/>
           </a:xfrm>
           <a:prstGeom prst="rect">
             <a:avLst/>
@@ -6047,1114 +6793,6 @@
         </p:style>
         <p:txBody>
           <a:bodyPr lIns="90000" rIns="90000" tIns="45000" bIns="45000">
-            <a:spAutoFit/>
-          </a:bodyPr>
-          <a:p>
-            <a:pPr marL="343080" indent="-342000">
-              <a:lnSpc>
-                <a:spcPct val="100000"/>
-              </a:lnSpc>
-              <a:buClr>
-                <a:srgbClr val="000000"/>
-              </a:buClr>
-              <a:buFont typeface="Arial"/>
-              <a:buChar char="•"/>
-            </a:pPr>
-            <a:r>
-              <a:rPr b="0" lang="pt-BR" sz="1800" spc="-1" strike="noStrike">
-                <a:solidFill>
-                  <a:srgbClr val="000000"/>
-                </a:solidFill>
-                <a:latin typeface="Exo 2"/>
-                <a:ea typeface="DejaVu Sans"/>
-              </a:rPr>
-              <a:t>Ação 1</a:t>
-            </a:r>
-            <a:endParaRPr b="0" lang="pt-BR" sz="1800" spc="-1" strike="noStrike">
-              <a:latin typeface="Arial"/>
-            </a:endParaRPr>
-          </a:p>
-          <a:p>
-            <a:pPr marL="343080" indent="-342000">
-              <a:lnSpc>
-                <a:spcPct val="100000"/>
-              </a:lnSpc>
-              <a:buClr>
-                <a:srgbClr val="000000"/>
-              </a:buClr>
-              <a:buFont typeface="Arial"/>
-              <a:buChar char="•"/>
-            </a:pPr>
-            <a:r>
-              <a:rPr b="0" lang="pt-BR" sz="1800" spc="-1" strike="noStrike">
-                <a:solidFill>
-                  <a:srgbClr val="000000"/>
-                </a:solidFill>
-                <a:latin typeface="Exo 2"/>
-                <a:ea typeface="DejaVu Sans"/>
-              </a:rPr>
-              <a:t>Ação 2</a:t>
-            </a:r>
-            <a:endParaRPr b="0" lang="pt-BR" sz="1800" spc="-1" strike="noStrike">
-              <a:latin typeface="Arial"/>
-            </a:endParaRPr>
-          </a:p>
-          <a:p>
-            <a:pPr marL="343080" indent="-342000">
-              <a:lnSpc>
-                <a:spcPct val="100000"/>
-              </a:lnSpc>
-              <a:buClr>
-                <a:srgbClr val="000000"/>
-              </a:buClr>
-              <a:buFont typeface="Arial"/>
-              <a:buChar char="•"/>
-            </a:pPr>
-            <a:r>
-              <a:rPr b="0" lang="pt-BR" sz="1800" spc="-1" strike="noStrike">
-                <a:solidFill>
-                  <a:srgbClr val="000000"/>
-                </a:solidFill>
-                <a:latin typeface="Exo 2"/>
-                <a:ea typeface="DejaVu Sans"/>
-              </a:rPr>
-              <a:t>Ação 3 </a:t>
-            </a:r>
-            <a:endParaRPr b="0" lang="pt-BR" sz="1800" spc="-1" strike="noStrike">
-              <a:latin typeface="Arial"/>
-            </a:endParaRPr>
-          </a:p>
-        </p:txBody>
-      </p:sp>
-      <p:sp>
-        <p:nvSpPr>
-          <p:cNvPr id="147" name="Line 9"/>
-          <p:cNvSpPr/>
-          <p:nvPr/>
-        </p:nvSpPr>
-        <p:spPr>
-          <a:xfrm>
-            <a:off x="248400" y="3205440"/>
-            <a:ext cx="12744000" cy="0"/>
-          </a:xfrm>
-          <a:prstGeom prst="line">
-            <a:avLst/>
-          </a:prstGeom>
-          <a:ln>
-            <a:solidFill>
-              <a:srgbClr val="32b9cd"/>
-            </a:solidFill>
-            <a:round/>
-          </a:ln>
-        </p:spPr>
-        <p:style>
-          <a:lnRef idx="1">
-            <a:schemeClr val="accent1"/>
-          </a:lnRef>
-          <a:fillRef idx="0">
-            <a:schemeClr val="accent1"/>
-          </a:fillRef>
-          <a:effectRef idx="0">
-            <a:schemeClr val="accent1"/>
-          </a:effectRef>
-          <a:fontRef idx="minor"/>
-        </p:style>
-      </p:sp>
-      <p:sp>
-        <p:nvSpPr>
-          <p:cNvPr id="148" name="CustomShape 10"/>
-          <p:cNvSpPr/>
-          <p:nvPr/>
-        </p:nvSpPr>
-        <p:spPr>
-          <a:xfrm>
-            <a:off x="248760" y="1283400"/>
-            <a:ext cx="2183760" cy="759600"/>
-          </a:xfrm>
-          <a:prstGeom prst="rect">
-            <a:avLst/>
-          </a:prstGeom>
-          <a:noFill/>
-          <a:ln>
-            <a:noFill/>
-          </a:ln>
-        </p:spPr>
-        <p:style>
-          <a:lnRef idx="0"/>
-          <a:fillRef idx="0"/>
-          <a:effectRef idx="0"/>
-          <a:fontRef idx="minor"/>
-        </p:style>
-        <p:txBody>
-          <a:bodyPr lIns="90000" rIns="90000" tIns="45000" bIns="45000">
-            <a:spAutoFit/>
-          </a:bodyPr>
-          <a:p>
-            <a:pPr>
-              <a:lnSpc>
-                <a:spcPct val="100000"/>
-              </a:lnSpc>
-            </a:pPr>
-            <a:r>
-              <a:rPr b="1" lang="pt-BR" sz="2800" spc="-1" strike="noStrike">
-                <a:solidFill>
-                  <a:srgbClr val="e6005a"/>
-                </a:solidFill>
-                <a:latin typeface="Exo 2"/>
-                <a:ea typeface="DejaVu Sans"/>
-              </a:rPr>
-              <a:t>Fases </a:t>
-            </a:r>
-            <a:r>
-              <a:rPr b="1" lang="pt-BR" sz="1600" spc="-1" strike="noStrike">
-                <a:solidFill>
-                  <a:srgbClr val="e6005a"/>
-                </a:solidFill>
-                <a:latin typeface="Exo 2"/>
-                <a:ea typeface="DejaVu Sans"/>
-              </a:rPr>
-              <a:t>(utilizador)</a:t>
-            </a:r>
-            <a:endParaRPr b="0" lang="pt-BR" sz="1600" spc="-1" strike="noStrike">
-              <a:latin typeface="Arial"/>
-            </a:endParaRPr>
-          </a:p>
-        </p:txBody>
-      </p:sp>
-      <p:sp>
-        <p:nvSpPr>
-          <p:cNvPr id="149" name="CustomShape 11"/>
-          <p:cNvSpPr/>
-          <p:nvPr/>
-        </p:nvSpPr>
-        <p:spPr>
-          <a:xfrm>
-            <a:off x="248760" y="2163960"/>
-            <a:ext cx="2183760" cy="1064880"/>
-          </a:xfrm>
-          <a:prstGeom prst="rect">
-            <a:avLst/>
-          </a:prstGeom>
-          <a:noFill/>
-          <a:ln>
-            <a:noFill/>
-          </a:ln>
-        </p:spPr>
-        <p:style>
-          <a:lnRef idx="0"/>
-          <a:fillRef idx="0"/>
-          <a:effectRef idx="0"/>
-          <a:fontRef idx="minor"/>
-        </p:style>
-        <p:txBody>
-          <a:bodyPr lIns="90000" rIns="90000" tIns="45000" bIns="45000">
-            <a:spAutoFit/>
-          </a:bodyPr>
-          <a:p>
-            <a:pPr>
-              <a:lnSpc>
-                <a:spcPct val="100000"/>
-              </a:lnSpc>
-            </a:pPr>
-            <a:r>
-              <a:rPr b="1" lang="pt-BR" sz="2800" spc="-1" strike="noStrike">
-                <a:solidFill>
-                  <a:srgbClr val="e6005a"/>
-                </a:solidFill>
-                <a:latin typeface="Exo 2"/>
-                <a:ea typeface="DejaVu Sans"/>
-              </a:rPr>
-              <a:t>Faz</a:t>
-            </a:r>
-            <a:endParaRPr b="0" lang="pt-BR" sz="2800" spc="-1" strike="noStrike">
-              <a:latin typeface="Arial"/>
-            </a:endParaRPr>
-          </a:p>
-          <a:p>
-            <a:pPr>
-              <a:lnSpc>
-                <a:spcPct val="100000"/>
-              </a:lnSpc>
-            </a:pPr>
-            <a:r>
-              <a:rPr b="1" lang="pt-BR" sz="1800" spc="-1" strike="noStrike">
-                <a:solidFill>
-                  <a:srgbClr val="e6005a"/>
-                </a:solidFill>
-                <a:latin typeface="Exo 2"/>
-                <a:ea typeface="DejaVu Sans"/>
-              </a:rPr>
-              <a:t>(ações do usuário) </a:t>
-            </a:r>
-            <a:endParaRPr b="0" lang="pt-BR" sz="1800" spc="-1" strike="noStrike">
-              <a:latin typeface="Arial"/>
-            </a:endParaRPr>
-          </a:p>
-        </p:txBody>
-      </p:sp>
-      <p:pic>
-        <p:nvPicPr>
-          <p:cNvPr id="150" name="Gráfico 19" descr="Rosto sorridente sem preenchimento "/>
-          <p:cNvPicPr/>
-          <p:nvPr/>
-        </p:nvPicPr>
-        <p:blipFill>
-          <a:blip r:embed="rId1"/>
-          <a:stretch/>
-        </p:blipFill>
-        <p:spPr>
-          <a:xfrm>
-            <a:off x="13665960" y="4111920"/>
-            <a:ext cx="913320" cy="913320"/>
-          </a:xfrm>
-          <a:prstGeom prst="rect">
-            <a:avLst/>
-          </a:prstGeom>
-          <a:ln>
-            <a:noFill/>
-          </a:ln>
-        </p:spPr>
-      </p:pic>
-      <p:pic>
-        <p:nvPicPr>
-          <p:cNvPr id="151" name="Gráfico 21" descr="Rosto neutro sem preenchimento "/>
-          <p:cNvPicPr/>
-          <p:nvPr/>
-        </p:nvPicPr>
-        <p:blipFill>
-          <a:blip r:embed="rId2"/>
-          <a:stretch/>
-        </p:blipFill>
-        <p:spPr>
-          <a:xfrm>
-            <a:off x="13665960" y="3097080"/>
-            <a:ext cx="913320" cy="913320"/>
-          </a:xfrm>
-          <a:prstGeom prst="rect">
-            <a:avLst/>
-          </a:prstGeom>
-          <a:ln>
-            <a:noFill/>
-          </a:ln>
-        </p:spPr>
-      </p:pic>
-      <p:pic>
-        <p:nvPicPr>
-          <p:cNvPr id="152" name="Gráfico 23" descr="Rosto triste sem preenchimento "/>
-          <p:cNvPicPr/>
-          <p:nvPr/>
-        </p:nvPicPr>
-        <p:blipFill>
-          <a:blip r:embed="rId3"/>
-          <a:stretch/>
-        </p:blipFill>
-        <p:spPr>
-          <a:xfrm>
-            <a:off x="13665960" y="2119680"/>
-            <a:ext cx="913320" cy="913320"/>
-          </a:xfrm>
-          <a:prstGeom prst="rect">
-            <a:avLst/>
-          </a:prstGeom>
-          <a:ln>
-            <a:noFill/>
-          </a:ln>
-        </p:spPr>
-      </p:pic>
-      <p:pic>
-        <p:nvPicPr>
-          <p:cNvPr id="153" name="Gráfico 25" descr="Rosto sorrindo sem preenchimento "/>
-          <p:cNvPicPr/>
-          <p:nvPr/>
-        </p:nvPicPr>
-        <p:blipFill>
-          <a:blip r:embed="rId4"/>
-          <a:stretch/>
-        </p:blipFill>
-        <p:spPr>
-          <a:xfrm>
-            <a:off x="13665960" y="1138320"/>
-            <a:ext cx="913320" cy="913320"/>
-          </a:xfrm>
-          <a:prstGeom prst="rect">
-            <a:avLst/>
-          </a:prstGeom>
-          <a:ln>
-            <a:noFill/>
-          </a:ln>
-        </p:spPr>
-      </p:pic>
-      <p:pic>
-        <p:nvPicPr>
-          <p:cNvPr id="154" name="Gráfico 27" descr="Rosto surpreso sem preenchimento "/>
-          <p:cNvPicPr/>
-          <p:nvPr/>
-        </p:nvPicPr>
-        <p:blipFill>
-          <a:blip r:embed="rId5"/>
-          <a:stretch/>
-        </p:blipFill>
-        <p:spPr>
-          <a:xfrm>
-            <a:off x="2975760" y="3216960"/>
-            <a:ext cx="913320" cy="913320"/>
-          </a:xfrm>
-          <a:prstGeom prst="rect">
-            <a:avLst/>
-          </a:prstGeom>
-          <a:ln>
-            <a:noFill/>
-          </a:ln>
-        </p:spPr>
-      </p:pic>
-      <p:pic>
-        <p:nvPicPr>
-          <p:cNvPr id="155" name="Gráfico 28" descr="Rosto sorridente sem preenchimento "/>
-          <p:cNvPicPr/>
-          <p:nvPr/>
-        </p:nvPicPr>
-        <p:blipFill>
-          <a:blip r:embed="rId6"/>
-          <a:stretch/>
-        </p:blipFill>
-        <p:spPr>
-          <a:xfrm>
-            <a:off x="13665960" y="5118840"/>
-            <a:ext cx="913320" cy="913320"/>
-          </a:xfrm>
-          <a:prstGeom prst="rect">
-            <a:avLst/>
-          </a:prstGeom>
-          <a:ln>
-            <a:noFill/>
-          </a:ln>
-        </p:spPr>
-      </p:pic>
-      <p:sp>
-        <p:nvSpPr>
-          <p:cNvPr id="156" name="CustomShape 12"/>
-          <p:cNvSpPr/>
-          <p:nvPr/>
-        </p:nvSpPr>
-        <p:spPr>
-          <a:xfrm>
-            <a:off x="248760" y="3295800"/>
-            <a:ext cx="2381040" cy="1126080"/>
-          </a:xfrm>
-          <a:prstGeom prst="rect">
-            <a:avLst/>
-          </a:prstGeom>
-          <a:noFill/>
-          <a:ln>
-            <a:noFill/>
-          </a:ln>
-        </p:spPr>
-        <p:style>
-          <a:lnRef idx="0"/>
-          <a:fillRef idx="0"/>
-          <a:effectRef idx="0"/>
-          <a:fontRef idx="minor"/>
-        </p:style>
-        <p:txBody>
-          <a:bodyPr lIns="90000" rIns="90000" tIns="45000" bIns="45000">
-            <a:spAutoFit/>
-          </a:bodyPr>
-          <a:p>
-            <a:pPr>
-              <a:lnSpc>
-                <a:spcPct val="100000"/>
-              </a:lnSpc>
-            </a:pPr>
-            <a:r>
-              <a:rPr b="1" lang="pt-BR" sz="2800" spc="-1" strike="noStrike">
-                <a:solidFill>
-                  <a:srgbClr val="e6005a"/>
-                </a:solidFill>
-                <a:latin typeface="Exo 2"/>
-                <a:ea typeface="DejaVu Sans"/>
-              </a:rPr>
-              <a:t>Sente</a:t>
-            </a:r>
-            <a:endParaRPr b="0" lang="pt-BR" sz="2800" spc="-1" strike="noStrike">
-              <a:latin typeface="Arial"/>
-            </a:endParaRPr>
-          </a:p>
-          <a:p>
-            <a:pPr>
-              <a:lnSpc>
-                <a:spcPct val="100000"/>
-              </a:lnSpc>
-            </a:pPr>
-            <a:r>
-              <a:rPr b="1" lang="pt-BR" sz="2000" spc="-1" strike="noStrike">
-                <a:solidFill>
-                  <a:srgbClr val="e6005a"/>
-                </a:solidFill>
-                <a:latin typeface="Exo 2"/>
-                <a:ea typeface="DejaVu Sans"/>
-              </a:rPr>
-              <a:t>(dores do usuário) </a:t>
-            </a:r>
-            <a:endParaRPr b="0" lang="pt-BR" sz="2000" spc="-1" strike="noStrike">
-              <a:latin typeface="Arial"/>
-            </a:endParaRPr>
-          </a:p>
-        </p:txBody>
-      </p:sp>
-      <p:sp>
-        <p:nvSpPr>
-          <p:cNvPr id="157" name="Line 13"/>
-          <p:cNvSpPr/>
-          <p:nvPr/>
-        </p:nvSpPr>
-        <p:spPr>
-          <a:xfrm>
-            <a:off x="248400" y="4320360"/>
-            <a:ext cx="12744000" cy="0"/>
-          </a:xfrm>
-          <a:prstGeom prst="line">
-            <a:avLst/>
-          </a:prstGeom>
-          <a:ln>
-            <a:solidFill>
-              <a:srgbClr val="32b9cd"/>
-            </a:solidFill>
-            <a:round/>
-          </a:ln>
-        </p:spPr>
-        <p:style>
-          <a:lnRef idx="1">
-            <a:schemeClr val="accent1"/>
-          </a:lnRef>
-          <a:fillRef idx="0">
-            <a:schemeClr val="accent1"/>
-          </a:fillRef>
-          <a:effectRef idx="0">
-            <a:schemeClr val="accent1"/>
-          </a:effectRef>
-          <a:fontRef idx="minor"/>
-        </p:style>
-      </p:sp>
-      <p:sp>
-        <p:nvSpPr>
-          <p:cNvPr id="158" name="CustomShape 14"/>
-          <p:cNvSpPr/>
-          <p:nvPr/>
-        </p:nvSpPr>
-        <p:spPr>
-          <a:xfrm>
-            <a:off x="2719080" y="4610520"/>
-            <a:ext cx="2036160" cy="1735560"/>
-          </a:xfrm>
-          <a:prstGeom prst="rect">
-            <a:avLst/>
-          </a:prstGeom>
-          <a:noFill/>
-          <a:ln>
-            <a:noFill/>
-          </a:ln>
-        </p:spPr>
-        <p:style>
-          <a:lnRef idx="0"/>
-          <a:fillRef idx="0"/>
-          <a:effectRef idx="0"/>
-          <a:fontRef idx="minor"/>
-        </p:style>
-        <p:txBody>
-          <a:bodyPr lIns="90000" rIns="90000" tIns="45000" bIns="45000">
-            <a:spAutoFit/>
-          </a:bodyPr>
-          <a:p>
-            <a:pPr marL="343080" indent="-342000">
-              <a:lnSpc>
-                <a:spcPct val="100000"/>
-              </a:lnSpc>
-              <a:buClr>
-                <a:srgbClr val="000000"/>
-              </a:buClr>
-              <a:buFont typeface="Arial"/>
-              <a:buChar char="•"/>
-            </a:pPr>
-            <a:r>
-              <a:rPr b="0" lang="pt-BR" sz="1800" spc="-1" strike="noStrike">
-                <a:solidFill>
-                  <a:srgbClr val="000000"/>
-                </a:solidFill>
-                <a:latin typeface="Exo 2"/>
-                <a:ea typeface="DejaVu Sans"/>
-              </a:rPr>
-              <a:t>Pensamento 1</a:t>
-            </a:r>
-            <a:endParaRPr b="0" lang="pt-BR" sz="1800" spc="-1" strike="noStrike">
-              <a:latin typeface="Arial"/>
-            </a:endParaRPr>
-          </a:p>
-          <a:p>
-            <a:pPr marL="343080" indent="-342000">
-              <a:lnSpc>
-                <a:spcPct val="100000"/>
-              </a:lnSpc>
-              <a:buClr>
-                <a:srgbClr val="000000"/>
-              </a:buClr>
-              <a:buFont typeface="Arial"/>
-              <a:buChar char="•"/>
-            </a:pPr>
-            <a:r>
-              <a:rPr b="0" lang="pt-BR" sz="1800" spc="-1" strike="noStrike">
-                <a:solidFill>
-                  <a:srgbClr val="000000"/>
-                </a:solidFill>
-                <a:latin typeface="Exo 2"/>
-                <a:ea typeface="DejaVu Sans"/>
-              </a:rPr>
-              <a:t>Pensamento 2</a:t>
-            </a:r>
-            <a:endParaRPr b="0" lang="pt-BR" sz="1800" spc="-1" strike="noStrike">
-              <a:latin typeface="Arial"/>
-            </a:endParaRPr>
-          </a:p>
-          <a:p>
-            <a:pPr marL="343080" indent="-342000">
-              <a:lnSpc>
-                <a:spcPct val="100000"/>
-              </a:lnSpc>
-              <a:buClr>
-                <a:srgbClr val="000000"/>
-              </a:buClr>
-              <a:buFont typeface="Arial"/>
-              <a:buChar char="•"/>
-            </a:pPr>
-            <a:r>
-              <a:rPr b="0" lang="pt-BR" sz="1800" spc="-1" strike="noStrike">
-                <a:solidFill>
-                  <a:srgbClr val="000000"/>
-                </a:solidFill>
-                <a:latin typeface="Exo 2"/>
-                <a:ea typeface="DejaVu Sans"/>
-              </a:rPr>
-              <a:t>Pensamento 3</a:t>
-            </a:r>
-            <a:endParaRPr b="0" lang="pt-BR" sz="1800" spc="-1" strike="noStrike">
-              <a:latin typeface="Arial"/>
-            </a:endParaRPr>
-          </a:p>
-        </p:txBody>
-      </p:sp>
-      <p:sp>
-        <p:nvSpPr>
-          <p:cNvPr id="159" name="Line 15"/>
-          <p:cNvSpPr/>
-          <p:nvPr/>
-        </p:nvSpPr>
-        <p:spPr>
-          <a:xfrm>
-            <a:off x="248400" y="5796360"/>
-            <a:ext cx="12744000" cy="0"/>
-          </a:xfrm>
-          <a:prstGeom prst="line">
-            <a:avLst/>
-          </a:prstGeom>
-          <a:ln>
-            <a:solidFill>
-              <a:srgbClr val="32b9cd"/>
-            </a:solidFill>
-            <a:round/>
-          </a:ln>
-        </p:spPr>
-        <p:style>
-          <a:lnRef idx="1">
-            <a:schemeClr val="accent1"/>
-          </a:lnRef>
-          <a:fillRef idx="0">
-            <a:schemeClr val="accent1"/>
-          </a:fillRef>
-          <a:effectRef idx="0">
-            <a:schemeClr val="accent1"/>
-          </a:effectRef>
-          <a:fontRef idx="minor"/>
-        </p:style>
-      </p:sp>
-      <p:sp>
-        <p:nvSpPr>
-          <p:cNvPr id="160" name="CustomShape 16"/>
-          <p:cNvSpPr/>
-          <p:nvPr/>
-        </p:nvSpPr>
-        <p:spPr>
-          <a:xfrm>
-            <a:off x="248760" y="4610520"/>
-            <a:ext cx="2183760" cy="821160"/>
-          </a:xfrm>
-          <a:prstGeom prst="rect">
-            <a:avLst/>
-          </a:prstGeom>
-          <a:noFill/>
-          <a:ln>
-            <a:noFill/>
-          </a:ln>
-        </p:spPr>
-        <p:style>
-          <a:lnRef idx="0"/>
-          <a:fillRef idx="0"/>
-          <a:effectRef idx="0"/>
-          <a:fontRef idx="minor"/>
-        </p:style>
-        <p:txBody>
-          <a:bodyPr lIns="90000" rIns="90000" tIns="45000" bIns="45000">
-            <a:spAutoFit/>
-          </a:bodyPr>
-          <a:p>
-            <a:pPr>
-              <a:lnSpc>
-                <a:spcPct val="100000"/>
-              </a:lnSpc>
-            </a:pPr>
-            <a:r>
-              <a:rPr b="1" lang="pt-BR" sz="2800" spc="-1" strike="noStrike">
-                <a:solidFill>
-                  <a:srgbClr val="e6005a"/>
-                </a:solidFill>
-                <a:latin typeface="Exo 2"/>
-                <a:ea typeface="DejaVu Sans"/>
-              </a:rPr>
-              <a:t>Pensa</a:t>
-            </a:r>
-            <a:endParaRPr b="0" lang="pt-BR" sz="2800" spc="-1" strike="noStrike">
-              <a:latin typeface="Arial"/>
-            </a:endParaRPr>
-          </a:p>
-          <a:p>
-            <a:pPr>
-              <a:lnSpc>
-                <a:spcPct val="100000"/>
-              </a:lnSpc>
-            </a:pPr>
-            <a:r>
-              <a:rPr b="1" lang="pt-BR" sz="2000" spc="-1" strike="noStrike">
-                <a:solidFill>
-                  <a:srgbClr val="e6005a"/>
-                </a:solidFill>
-                <a:latin typeface="Exo 2"/>
-                <a:ea typeface="DejaVu Sans"/>
-              </a:rPr>
-              <a:t>(usuário) </a:t>
-            </a:r>
-            <a:endParaRPr b="0" lang="pt-BR" sz="2000" spc="-1" strike="noStrike">
-              <a:latin typeface="Arial"/>
-            </a:endParaRPr>
-          </a:p>
-        </p:txBody>
-      </p:sp>
-      <p:pic>
-        <p:nvPicPr>
-          <p:cNvPr id="161" name="Gráfico 38" descr="Envelope"/>
-          <p:cNvPicPr/>
-          <p:nvPr/>
-        </p:nvPicPr>
-        <p:blipFill>
-          <a:blip r:embed="rId7"/>
-          <a:stretch/>
-        </p:blipFill>
-        <p:spPr>
-          <a:xfrm>
-            <a:off x="-1690200" y="125280"/>
-            <a:ext cx="913320" cy="913320"/>
-          </a:xfrm>
-          <a:prstGeom prst="rect">
-            <a:avLst/>
-          </a:prstGeom>
-          <a:ln>
-            <a:noFill/>
-          </a:ln>
-        </p:spPr>
-      </p:pic>
-      <p:pic>
-        <p:nvPicPr>
-          <p:cNvPr id="162" name="Gráfico 44" descr="Baixar da nuvem"/>
-          <p:cNvPicPr/>
-          <p:nvPr/>
-        </p:nvPicPr>
-        <p:blipFill>
-          <a:blip r:embed="rId8"/>
-          <a:stretch/>
-        </p:blipFill>
-        <p:spPr>
-          <a:xfrm>
-            <a:off x="-1739880" y="3034080"/>
-            <a:ext cx="913320" cy="913320"/>
-          </a:xfrm>
-          <a:prstGeom prst="rect">
-            <a:avLst/>
-          </a:prstGeom>
-          <a:ln>
-            <a:noFill/>
-          </a:ln>
-        </p:spPr>
-      </p:pic>
-      <p:pic>
-        <p:nvPicPr>
-          <p:cNvPr id="163" name="Gráfico 46" descr="Call center"/>
-          <p:cNvPicPr/>
-          <p:nvPr/>
-        </p:nvPicPr>
-        <p:blipFill>
-          <a:blip r:embed="rId9"/>
-          <a:stretch/>
-        </p:blipFill>
-        <p:spPr>
-          <a:xfrm>
-            <a:off x="-1739880" y="1029240"/>
-            <a:ext cx="913320" cy="913320"/>
-          </a:xfrm>
-          <a:prstGeom prst="rect">
-            <a:avLst/>
-          </a:prstGeom>
-          <a:ln>
-            <a:noFill/>
-          </a:ln>
-        </p:spPr>
-      </p:pic>
-      <p:pic>
-        <p:nvPicPr>
-          <p:cNvPr id="164" name="Gráfico 48" descr="Fala"/>
-          <p:cNvPicPr/>
-          <p:nvPr/>
-        </p:nvPicPr>
-        <p:blipFill>
-          <a:blip r:embed="rId10"/>
-          <a:stretch/>
-        </p:blipFill>
-        <p:spPr>
-          <a:xfrm>
-            <a:off x="-1739880" y="2119680"/>
-            <a:ext cx="913320" cy="913320"/>
-          </a:xfrm>
-          <a:prstGeom prst="rect">
-            <a:avLst/>
-          </a:prstGeom>
-          <a:ln>
-            <a:noFill/>
-          </a:ln>
-        </p:spPr>
-      </p:pic>
-      <p:sp>
-        <p:nvSpPr>
-          <p:cNvPr id="165" name="CustomShape 17"/>
-          <p:cNvSpPr/>
-          <p:nvPr/>
-        </p:nvSpPr>
-        <p:spPr>
-          <a:xfrm>
-            <a:off x="256680" y="5987520"/>
-            <a:ext cx="2183760" cy="790560"/>
-          </a:xfrm>
-          <a:prstGeom prst="rect">
-            <a:avLst/>
-          </a:prstGeom>
-          <a:noFill/>
-          <a:ln>
-            <a:noFill/>
-          </a:ln>
-        </p:spPr>
-        <p:style>
-          <a:lnRef idx="0"/>
-          <a:fillRef idx="0"/>
-          <a:effectRef idx="0"/>
-          <a:fontRef idx="minor"/>
-        </p:style>
-        <p:txBody>
-          <a:bodyPr lIns="90000" rIns="90000" tIns="45000" bIns="45000">
-            <a:spAutoFit/>
-          </a:bodyPr>
-          <a:p>
-            <a:pPr>
-              <a:lnSpc>
-                <a:spcPct val="100000"/>
-              </a:lnSpc>
-            </a:pPr>
-            <a:r>
-              <a:rPr b="1" lang="pt-BR" sz="2800" spc="-1" strike="noStrike">
-                <a:solidFill>
-                  <a:srgbClr val="e6005a"/>
-                </a:solidFill>
-                <a:latin typeface="Exo 2"/>
-                <a:ea typeface="DejaVu Sans"/>
-              </a:rPr>
-              <a:t>Proposta</a:t>
-            </a:r>
-            <a:endParaRPr b="0" lang="pt-BR" sz="2800" spc="-1" strike="noStrike">
-              <a:latin typeface="Arial"/>
-            </a:endParaRPr>
-          </a:p>
-          <a:p>
-            <a:pPr>
-              <a:lnSpc>
-                <a:spcPct val="100000"/>
-              </a:lnSpc>
-            </a:pPr>
-            <a:r>
-              <a:rPr b="1" lang="pt-BR" sz="1800" spc="-1" strike="noStrike">
-                <a:solidFill>
-                  <a:srgbClr val="e6005a"/>
-                </a:solidFill>
-                <a:latin typeface="Exo 2"/>
-                <a:ea typeface="DejaVu Sans"/>
-              </a:rPr>
-              <a:t>(mudanças) </a:t>
-            </a:r>
-            <a:endParaRPr b="0" lang="pt-BR" sz="1800" spc="-1" strike="noStrike">
-              <a:latin typeface="Arial"/>
-            </a:endParaRPr>
-          </a:p>
-        </p:txBody>
-      </p:sp>
-      <p:sp>
-        <p:nvSpPr>
-          <p:cNvPr id="166" name="CustomShape 18"/>
-          <p:cNvSpPr/>
-          <p:nvPr/>
-        </p:nvSpPr>
-        <p:spPr>
-          <a:xfrm>
-            <a:off x="2719080" y="6001200"/>
-            <a:ext cx="2036160" cy="638280"/>
-          </a:xfrm>
-          <a:prstGeom prst="rect">
-            <a:avLst/>
-          </a:prstGeom>
-          <a:noFill/>
-          <a:ln>
-            <a:noFill/>
-          </a:ln>
-        </p:spPr>
-        <p:style>
-          <a:lnRef idx="0"/>
-          <a:fillRef idx="0"/>
-          <a:effectRef idx="0"/>
-          <a:fontRef idx="minor"/>
-        </p:style>
-        <p:txBody>
-          <a:bodyPr lIns="90000" rIns="90000" tIns="45000" bIns="45000">
-            <a:spAutoFit/>
-          </a:bodyPr>
-          <a:p>
-            <a:pPr marL="343080" indent="-342000">
-              <a:lnSpc>
-                <a:spcPct val="100000"/>
-              </a:lnSpc>
-              <a:buClr>
-                <a:srgbClr val="000000"/>
-              </a:buClr>
-              <a:buFont typeface="Arial"/>
-              <a:buChar char="•"/>
-            </a:pPr>
-            <a:r>
-              <a:rPr b="0" lang="pt-BR" sz="1800" spc="-1" strike="noStrike">
-                <a:solidFill>
-                  <a:srgbClr val="000000"/>
-                </a:solidFill>
-                <a:latin typeface="Exo 2"/>
-                <a:ea typeface="DejaVu Sans"/>
-              </a:rPr>
-              <a:t>Fazer isso</a:t>
-            </a:r>
-            <a:endParaRPr b="0" lang="pt-BR" sz="1800" spc="-1" strike="noStrike">
-              <a:latin typeface="Arial"/>
-            </a:endParaRPr>
-          </a:p>
-          <a:p>
-            <a:pPr marL="343080" indent="-342000">
-              <a:lnSpc>
-                <a:spcPct val="100000"/>
-              </a:lnSpc>
-              <a:buClr>
-                <a:srgbClr val="000000"/>
-              </a:buClr>
-              <a:buFont typeface="Arial"/>
-              <a:buChar char="•"/>
-            </a:pPr>
-            <a:r>
-              <a:rPr b="0" lang="pt-BR" sz="1800" spc="-1" strike="noStrike">
-                <a:solidFill>
-                  <a:srgbClr val="000000"/>
-                </a:solidFill>
-                <a:latin typeface="Exo 2"/>
-                <a:ea typeface="DejaVu Sans"/>
-              </a:rPr>
-              <a:t>Fazer aquilo</a:t>
-            </a:r>
-            <a:endParaRPr b="0" lang="pt-BR" sz="1800" spc="-1" strike="noStrike">
-              <a:latin typeface="Arial"/>
-            </a:endParaRPr>
-          </a:p>
-        </p:txBody>
-      </p:sp>
-    </p:spTree>
-  </p:cSld>
-  <mc:AlternateContent>
-    <mc:Choice Requires="p14">
-      <p:transition spd="slow" p14:dur="2000"/>
-    </mc:Choice>
-    <mc:Fallback>
-      <p:transition spd="slow"/>
-    </mc:Fallback>
-  </mc:AlternateContent>
-</p:sld>
-</file>
-
-<file path=ppt/slides/slide13.xml><?xml version="1.0" encoding="utf-8"?>
-<p:sld xmlns:a="http://schemas.openxmlformats.org/drawingml/2006/main" xmlns:p="http://schemas.openxmlformats.org/presentationml/2006/main" xmlns:r="http://schemas.openxmlformats.org/officeDocument/2006/relationships" xmlns:p14="http://schemas.microsoft.com/office/powerpoint/2010/main" xmlns:p15="http://schemas.microsoft.com/office/powerpoint/2012/main" xmlns:mc="http://schemas.openxmlformats.org/markup-compatibility/2006">
-  <p:cSld>
-    <p:spTree>
-      <p:nvGrpSpPr>
-        <p:cNvPr id="1" name=""/>
-        <p:cNvGrpSpPr/>
-        <p:nvPr/>
-      </p:nvGrpSpPr>
-      <p:grpSpPr>
-        <a:xfrm>
-          <a:off x="0" y="0"/>
-          <a:ext cx="0" cy="0"/>
-          <a:chOff x="0" y="0"/>
-          <a:chExt cx="0" cy="0"/>
-        </a:xfrm>
-      </p:grpSpPr>
-      <p:sp>
-        <p:nvSpPr>
-          <p:cNvPr id="167" name="CustomShape 1"/>
-          <p:cNvSpPr/>
-          <p:nvPr/>
-        </p:nvSpPr>
-        <p:spPr>
-          <a:xfrm>
-            <a:off x="12605400" y="7237080"/>
-            <a:ext cx="627480" cy="213120"/>
-          </a:xfrm>
-          <a:prstGeom prst="rect">
-            <a:avLst/>
-          </a:prstGeom>
-          <a:noFill/>
-          <a:ln w="9360">
-            <a:noFill/>
-          </a:ln>
-        </p:spPr>
-        <p:style>
-          <a:lnRef idx="0"/>
-          <a:fillRef idx="0"/>
-          <a:effectRef idx="0"/>
-          <a:fontRef idx="minor"/>
-        </p:style>
-        <p:txBody>
-          <a:bodyPr lIns="18000" rIns="18000" tIns="10800" bIns="10800">
-            <a:noAutofit/>
-          </a:bodyPr>
-          <a:p>
-            <a:pPr algn="r">
-              <a:lnSpc>
-                <a:spcPct val="100000"/>
-              </a:lnSpc>
-            </a:pPr>
-            <a:fld id="{3FC24CAA-1B9E-4D58-AE62-8549DAEE276D}" type="slidenum">
-              <a:rPr b="1" lang="pt-BR" sz="1260" spc="-1" strike="noStrike">
-                <a:solidFill>
-                  <a:srgbClr val="ffffff"/>
-                </a:solidFill>
-                <a:latin typeface="Exo 2"/>
-                <a:ea typeface="Tahoma"/>
-              </a:rPr>
-              <a:t>&lt;número&gt;</a:t>
-            </a:fld>
-            <a:endParaRPr b="0" lang="pt-BR" sz="1260" spc="-1" strike="noStrike">
-              <a:latin typeface="Arial"/>
-            </a:endParaRPr>
-          </a:p>
-        </p:txBody>
-      </p:sp>
-      <p:sp>
-        <p:nvSpPr>
-          <p:cNvPr id="168" name="CustomShape 2"/>
-          <p:cNvSpPr/>
-          <p:nvPr/>
-        </p:nvSpPr>
-        <p:spPr>
-          <a:xfrm>
-            <a:off x="2184840" y="108360"/>
-            <a:ext cx="10781640" cy="764640"/>
-          </a:xfrm>
-          <a:prstGeom prst="rect">
-            <a:avLst/>
-          </a:prstGeom>
-          <a:noFill/>
-          <a:ln>
-            <a:noFill/>
-          </a:ln>
-        </p:spPr>
-        <p:style>
-          <a:lnRef idx="0"/>
-          <a:fillRef idx="0"/>
-          <a:effectRef idx="0"/>
-          <a:fontRef idx="minor"/>
-        </p:style>
-        <p:txBody>
-          <a:bodyPr lIns="90000" rIns="90000" tIns="45000" bIns="45000">
-            <a:noAutofit/>
-          </a:bodyPr>
-          <a:p>
-            <a:pPr marL="430920" indent="-429840">
-              <a:lnSpc>
-                <a:spcPct val="100000"/>
-              </a:lnSpc>
-              <a:spcBef>
-                <a:spcPts val="754"/>
-              </a:spcBef>
-              <a:tabLst>
-                <a:tab algn="l" pos="0"/>
-              </a:tabLst>
-            </a:pPr>
-            <a:r>
-              <a:rPr b="1" lang="pt-BR" sz="3770" spc="-1" strike="noStrike">
-                <a:solidFill>
-                  <a:srgbClr val="32b9cd"/>
-                </a:solidFill>
-                <a:latin typeface="Exo 2"/>
-                <a:ea typeface="DejaVu Sans"/>
-              </a:rPr>
-              <a:t>Resumo do que precisa ser entregue</a:t>
-            </a:r>
-            <a:endParaRPr b="0" lang="pt-BR" sz="3770" spc="-1" strike="noStrike">
-              <a:latin typeface="Arial"/>
-            </a:endParaRPr>
-          </a:p>
-        </p:txBody>
-      </p:sp>
-      <p:sp>
-        <p:nvSpPr>
-          <p:cNvPr id="169" name="CustomShape 3"/>
-          <p:cNvSpPr/>
-          <p:nvPr/>
-        </p:nvSpPr>
-        <p:spPr>
-          <a:xfrm>
-            <a:off x="534960" y="1542600"/>
-            <a:ext cx="12525480" cy="5760000"/>
-          </a:xfrm>
-          <a:prstGeom prst="rect">
-            <a:avLst/>
-          </a:prstGeom>
-          <a:noFill/>
-          <a:ln>
-            <a:noFill/>
-          </a:ln>
-        </p:spPr>
-        <p:style>
-          <a:lnRef idx="0"/>
-          <a:fillRef idx="0"/>
-          <a:effectRef idx="0"/>
-          <a:fontRef idx="minor"/>
-        </p:style>
-        <p:txBody>
-          <a:bodyPr lIns="90000" rIns="90000" tIns="45000" bIns="45000">
             <a:noAutofit/>
           </a:bodyPr>
           <a:p>
@@ -7200,7 +6838,7 @@
             </a:endParaRPr>
           </a:p>
           <a:p>
-            <a:pPr marL="430920" indent="-429840">
+            <a:pPr marL="430920" indent="-429480">
               <a:lnSpc>
                 <a:spcPct val="100000"/>
               </a:lnSpc>
@@ -7231,7 +6869,7 @@
             </a:endParaRPr>
           </a:p>
           <a:p>
-            <a:pPr marL="430920" indent="-429840">
+            <a:pPr marL="430920" indent="-429480">
               <a:lnSpc>
                 <a:spcPct val="100000"/>
               </a:lnSpc>
@@ -7262,7 +6900,7 @@
             </a:endParaRPr>
           </a:p>
           <a:p>
-            <a:pPr marL="430920" indent="-429840">
+            <a:pPr marL="430920" indent="-429480">
               <a:lnSpc>
                 <a:spcPct val="100000"/>
               </a:lnSpc>
@@ -7293,7 +6931,7 @@
             </a:endParaRPr>
           </a:p>
           <a:p>
-            <a:pPr marL="430920" indent="-429840">
+            <a:pPr marL="430920" indent="-429480">
               <a:lnSpc>
                 <a:spcPct val="100000"/>
               </a:lnSpc>
@@ -7324,7 +6962,7 @@
             </a:endParaRPr>
           </a:p>
           <a:p>
-            <a:pPr marL="430920" indent="-429840">
+            <a:pPr marL="430920" indent="-429480">
               <a:lnSpc>
                 <a:spcPct val="100000"/>
               </a:lnSpc>
@@ -7395,7 +7033,7 @@
         <p:spPr>
           <a:xfrm>
             <a:off x="576000" y="1080000"/>
-            <a:ext cx="7631280" cy="6191280"/>
+            <a:ext cx="7630920" cy="6190920"/>
           </a:xfrm>
           <a:prstGeom prst="rect">
             <a:avLst/>
@@ -7416,7 +7054,7 @@
             <a:normAutofit fontScale="83000"/>
           </a:bodyPr>
           <a:p>
-            <a:pPr marL="430920" indent="-429840">
+            <a:pPr marL="430920" indent="-429480">
               <a:lnSpc>
                 <a:spcPct val="100000"/>
               </a:lnSpc>
@@ -7522,7 +7160,7 @@
             </a:endParaRPr>
           </a:p>
           <a:p>
-            <a:pPr marL="430920" indent="-429840">
+            <a:pPr marL="430920" indent="-429480">
               <a:lnSpc>
                 <a:spcPct val="100000"/>
               </a:lnSpc>
@@ -7553,7 +7191,7 @@
             </a:endParaRPr>
           </a:p>
           <a:p>
-            <a:pPr marL="430920" indent="-429840">
+            <a:pPr marL="430920" indent="-429480">
               <a:lnSpc>
                 <a:spcPct val="100000"/>
               </a:lnSpc>
@@ -7584,7 +7222,7 @@
             </a:endParaRPr>
           </a:p>
           <a:p>
-            <a:pPr marL="430920" indent="-429840">
+            <a:pPr marL="430920" indent="-429480">
               <a:lnSpc>
                 <a:spcPct val="100000"/>
               </a:lnSpc>
@@ -7615,7 +7253,7 @@
             </a:endParaRPr>
           </a:p>
           <a:p>
-            <a:pPr marL="430920" indent="-429840">
+            <a:pPr marL="430920" indent="-429480">
               <a:lnSpc>
                 <a:spcPct val="100000"/>
               </a:lnSpc>
@@ -7646,7 +7284,7 @@
             </a:endParaRPr>
           </a:p>
           <a:p>
-            <a:pPr marL="430920" indent="-429840">
+            <a:pPr marL="430920" indent="-429480">
               <a:lnSpc>
                 <a:spcPct val="100000"/>
               </a:lnSpc>
@@ -7677,7 +7315,7 @@
             </a:endParaRPr>
           </a:p>
           <a:p>
-            <a:pPr marL="430920" indent="-429840">
+            <a:pPr marL="430920" indent="-429480">
               <a:lnSpc>
                 <a:spcPct val="100000"/>
               </a:lnSpc>
@@ -7846,7 +7484,7 @@
         <p:spPr>
           <a:xfrm>
             <a:off x="12605400" y="7237080"/>
-            <a:ext cx="627480" cy="213120"/>
+            <a:ext cx="627120" cy="212760"/>
           </a:xfrm>
           <a:prstGeom prst="rect">
             <a:avLst/>
@@ -7872,7 +7510,7 @@
                 <a:spcPct val="100000"/>
               </a:lnSpc>
             </a:pPr>
-            <a:fld id="{2184AA53-4808-4495-81DD-AD321CD0D5E5}" type="slidenum">
+            <a:fld id="{657FB0AC-BFD7-4B64-BD99-C44EA9368DCC}" type="slidenum">
               <a:rPr b="1" lang="pt-BR" sz="1260" spc="-1" strike="noStrike">
                 <a:solidFill>
                   <a:srgbClr val="ffffff"/>
@@ -7897,7 +7535,7 @@
         <p:spPr>
           <a:xfrm>
             <a:off x="2184840" y="108360"/>
-            <a:ext cx="10781640" cy="764640"/>
+            <a:ext cx="10781280" cy="764280"/>
           </a:xfrm>
           <a:prstGeom prst="rect">
             <a:avLst/>
@@ -7918,7 +7556,7 @@
             <a:noAutofit/>
           </a:bodyPr>
           <a:p>
-            <a:pPr marL="430920" indent="-429840">
+            <a:pPr marL="430920" indent="-429480">
               <a:lnSpc>
                 <a:spcPct val="100000"/>
               </a:lnSpc>
@@ -8161,7 +7799,7 @@
         <p:spPr>
           <a:xfrm>
             <a:off x="610200" y="1278720"/>
-            <a:ext cx="12447000" cy="3311280"/>
+            <a:ext cx="12446640" cy="3310920"/>
           </a:xfrm>
           <a:prstGeom prst="rect">
             <a:avLst/>
@@ -8182,7 +7820,7 @@
             <a:noAutofit/>
           </a:bodyPr>
           <a:p>
-            <a:pPr marL="430920" indent="-429840">
+            <a:pPr marL="430920" indent="-429480">
               <a:lnSpc>
                 <a:spcPct val="100000"/>
               </a:lnSpc>
@@ -8358,7 +7996,7 @@
         <p:spPr>
           <a:xfrm>
             <a:off x="12605400" y="7237080"/>
-            <a:ext cx="627480" cy="213120"/>
+            <a:ext cx="627120" cy="212760"/>
           </a:xfrm>
           <a:prstGeom prst="rect">
             <a:avLst/>
@@ -8384,7 +8022,7 @@
                 <a:spcPct val="100000"/>
               </a:lnSpc>
             </a:pPr>
-            <a:fld id="{1B7910BC-CDBE-49E1-9009-F035362CF3B0}" type="slidenum">
+            <a:fld id="{FCE0C4E7-DF8C-4300-B65B-9862665EDB49}" type="slidenum">
               <a:rPr b="1" lang="pt-BR" sz="1260" spc="-1" strike="noStrike">
                 <a:solidFill>
                   <a:srgbClr val="ffffff"/>
@@ -8409,7 +8047,7 @@
         <p:spPr>
           <a:xfrm>
             <a:off x="2184840" y="108360"/>
-            <a:ext cx="10781640" cy="764640"/>
+            <a:ext cx="10781280" cy="764280"/>
           </a:xfrm>
           <a:prstGeom prst="rect">
             <a:avLst/>
@@ -8430,7 +8068,7 @@
             <a:noAutofit/>
           </a:bodyPr>
           <a:p>
-            <a:pPr marL="430920" indent="-429840">
+            <a:pPr marL="430920" indent="-429480">
               <a:lnSpc>
                 <a:spcPct val="100000"/>
               </a:lnSpc>
@@ -8496,7 +8134,7 @@
         <p:spPr>
           <a:xfrm>
             <a:off x="610200" y="1278720"/>
-            <a:ext cx="12447000" cy="3311280"/>
+            <a:ext cx="12446640" cy="3310920"/>
           </a:xfrm>
           <a:prstGeom prst="rect">
             <a:avLst/>
@@ -8517,7 +8155,7 @@
             <a:noAutofit/>
           </a:bodyPr>
           <a:p>
-            <a:pPr marL="430920" indent="-429840">
+            <a:pPr marL="430920" indent="-429480">
               <a:lnSpc>
                 <a:spcPct val="100000"/>
               </a:lnSpc>
@@ -8545,7 +8183,7 @@
             </a:endParaRPr>
           </a:p>
           <a:p>
-            <a:pPr marL="430920" indent="-429840">
+            <a:pPr marL="430920" indent="-429480">
               <a:lnSpc>
                 <a:spcPct val="100000"/>
               </a:lnSpc>
@@ -8573,7 +8211,7 @@
             </a:endParaRPr>
           </a:p>
           <a:p>
-            <a:pPr marL="430920" indent="-429840">
+            <a:pPr marL="430920" indent="-429480">
               <a:lnSpc>
                 <a:spcPct val="100000"/>
               </a:lnSpc>
@@ -8601,7 +8239,7 @@
             </a:endParaRPr>
           </a:p>
           <a:p>
-            <a:pPr marL="430920" indent="-429840">
+            <a:pPr marL="430920" indent="-429480">
               <a:lnSpc>
                 <a:spcPct val="100000"/>
               </a:lnSpc>
@@ -8629,7 +8267,7 @@
             </a:endParaRPr>
           </a:p>
           <a:p>
-            <a:pPr marL="430920" indent="-429840">
+            <a:pPr marL="430920" indent="-429480">
               <a:lnSpc>
                 <a:spcPct val="100000"/>
               </a:lnSpc>
@@ -8770,7 +8408,7 @@
         <p:spPr>
           <a:xfrm>
             <a:off x="12605400" y="7237080"/>
-            <a:ext cx="627480" cy="213120"/>
+            <a:ext cx="627120" cy="212760"/>
           </a:xfrm>
           <a:prstGeom prst="rect">
             <a:avLst/>
@@ -8796,7 +8434,7 @@
                 <a:spcPct val="100000"/>
               </a:lnSpc>
             </a:pPr>
-            <a:fld id="{893A6733-01AA-4697-977D-24C10BBF13A6}" type="slidenum">
+            <a:fld id="{600C84AC-0342-41A1-8643-3A846050C0A9}" type="slidenum">
               <a:rPr b="1" lang="pt-BR" sz="1260" spc="-1" strike="noStrike">
                 <a:solidFill>
                   <a:srgbClr val="ffffff"/>
@@ -8821,7 +8459,7 @@
         <p:spPr>
           <a:xfrm>
             <a:off x="2184840" y="108360"/>
-            <a:ext cx="10781640" cy="764640"/>
+            <a:ext cx="10781280" cy="764280"/>
           </a:xfrm>
           <a:prstGeom prst="rect">
             <a:avLst/>
@@ -8842,7 +8480,7 @@
             <a:noAutofit/>
           </a:bodyPr>
           <a:p>
-            <a:pPr marL="430920" indent="-429840">
+            <a:pPr marL="430920" indent="-429480">
               <a:lnSpc>
                 <a:spcPct val="100000"/>
               </a:lnSpc>
@@ -8987,7 +8625,7 @@
         <p:spPr>
           <a:xfrm>
             <a:off x="11925360" y="7237080"/>
-            <a:ext cx="627480" cy="213120"/>
+            <a:ext cx="627120" cy="212760"/>
           </a:xfrm>
           <a:prstGeom prst="rect">
             <a:avLst/>
@@ -9013,7 +8651,7 @@
                 <a:spcPct val="100000"/>
               </a:lnSpc>
             </a:pPr>
-            <a:fld id="{23B25FAA-7C11-45FF-B581-2CD5861F4EDF}" type="slidenum">
+            <a:fld id="{E334C8C3-3F33-4F8F-9427-37C4ECF59EBA}" type="slidenum">
               <a:rPr b="1" lang="pt-BR" sz="1260" spc="-1" strike="noStrike">
                 <a:solidFill>
                   <a:srgbClr val="ffffff"/>
@@ -9038,7 +8676,7 @@
         <p:spPr>
           <a:xfrm>
             <a:off x="2184840" y="108360"/>
-            <a:ext cx="10781640" cy="764640"/>
+            <a:ext cx="10781280" cy="764280"/>
           </a:xfrm>
           <a:prstGeom prst="rect">
             <a:avLst/>
@@ -9064,7 +8702,7 @@
         <p:spPr>
           <a:xfrm>
             <a:off x="936720" y="1584000"/>
-            <a:ext cx="5758920" cy="2878920"/>
+            <a:ext cx="5758560" cy="2878560"/>
           </a:xfrm>
           <a:prstGeom prst="rect">
             <a:avLst/>
@@ -9101,7 +8739,7 @@
         <p:spPr>
           <a:xfrm>
             <a:off x="936720" y="4536720"/>
-            <a:ext cx="11590920" cy="2055960"/>
+            <a:ext cx="11590560" cy="2055600"/>
           </a:xfrm>
           <a:prstGeom prst="rect">
             <a:avLst/>
@@ -9138,7 +8776,7 @@
         <p:spPr>
           <a:xfrm>
             <a:off x="6768720" y="1584360"/>
-            <a:ext cx="5758920" cy="2878920"/>
+            <a:ext cx="5758560" cy="2878560"/>
           </a:xfrm>
           <a:prstGeom prst="rect">
             <a:avLst/>
@@ -9175,7 +8813,7 @@
         <p:spPr>
           <a:xfrm>
             <a:off x="2153160" y="756360"/>
-            <a:ext cx="12200040" cy="1439640"/>
+            <a:ext cx="12199680" cy="1439280"/>
           </a:xfrm>
           <a:prstGeom prst="rect">
             <a:avLst/>
@@ -9201,7 +8839,7 @@
         <p:spPr>
           <a:xfrm>
             <a:off x="2592000" y="2400480"/>
-            <a:ext cx="3997800" cy="1766160"/>
+            <a:ext cx="3997440" cy="1766160"/>
           </a:xfrm>
           <a:prstGeom prst="rect">
             <a:avLst/>
@@ -9282,7 +8920,7 @@
         <p:spPr>
           <a:xfrm>
             <a:off x="6755040" y="2293560"/>
-            <a:ext cx="5758920" cy="1735920"/>
+            <a:ext cx="5758560" cy="1735560"/>
           </a:xfrm>
           <a:prstGeom prst="rect">
             <a:avLst/>
@@ -9303,7 +8941,7 @@
             <a:spAutoFit/>
           </a:bodyPr>
           <a:p>
-            <a:pPr marL="343080" indent="-342000">
+            <a:pPr marL="343080" indent="-341640">
               <a:lnSpc>
                 <a:spcPct val="100000"/>
               </a:lnSpc>
@@ -9328,7 +8966,7 @@
             </a:endParaRPr>
           </a:p>
           <a:p>
-            <a:pPr marL="343080" indent="-342000">
+            <a:pPr marL="343080" indent="-341640">
               <a:lnSpc>
                 <a:spcPct val="100000"/>
               </a:lnSpc>
@@ -9353,7 +8991,7 @@
             </a:endParaRPr>
           </a:p>
           <a:p>
-            <a:pPr marL="343080" indent="-342000">
+            <a:pPr marL="343080" indent="-341640">
               <a:lnSpc>
                 <a:spcPct val="100000"/>
               </a:lnSpc>
@@ -9378,7 +9016,7 @@
             </a:endParaRPr>
           </a:p>
           <a:p>
-            <a:pPr marL="343080" indent="-342000">
+            <a:pPr marL="343080" indent="-341640">
               <a:lnSpc>
                 <a:spcPct val="100000"/>
               </a:lnSpc>
@@ -9403,7 +9041,7 @@
             </a:endParaRPr>
           </a:p>
           <a:p>
-            <a:pPr marL="343080" indent="-342000">
+            <a:pPr marL="343080" indent="-341640">
               <a:lnSpc>
                 <a:spcPct val="100000"/>
               </a:lnSpc>
@@ -9428,7 +9066,7 @@
             </a:endParaRPr>
           </a:p>
           <a:p>
-            <a:pPr marL="343080" indent="-342000">
+            <a:pPr marL="343080" indent="-341640">
               <a:lnSpc>
                 <a:spcPct val="100000"/>
               </a:lnSpc>
@@ -9463,7 +9101,7 @@
         <p:spPr>
           <a:xfrm>
             <a:off x="936000" y="1693080"/>
-            <a:ext cx="5863320" cy="576360"/>
+            <a:ext cx="5862960" cy="576360"/>
           </a:xfrm>
           <a:prstGeom prst="rect">
             <a:avLst/>
@@ -9514,7 +9152,7 @@
         <p:spPr>
           <a:xfrm>
             <a:off x="6901920" y="1755360"/>
-            <a:ext cx="4096440" cy="576360"/>
+            <a:ext cx="4096080" cy="576360"/>
           </a:xfrm>
           <a:prstGeom prst="rect">
             <a:avLst/>
@@ -9565,7 +9203,7 @@
         <p:spPr>
           <a:xfrm>
             <a:off x="1029240" y="4536360"/>
-            <a:ext cx="2818080" cy="333000"/>
+            <a:ext cx="2817720" cy="333000"/>
           </a:xfrm>
           <a:prstGeom prst="rect">
             <a:avLst/>
@@ -9616,7 +9254,7 @@
         <p:spPr>
           <a:xfrm>
             <a:off x="928080" y="4892400"/>
-            <a:ext cx="10429920" cy="1461600"/>
+            <a:ext cx="10429560" cy="1735560"/>
           </a:xfrm>
           <a:prstGeom prst="rect">
             <a:avLst/>
@@ -9637,7 +9275,7 @@
             <a:spAutoFit/>
           </a:bodyPr>
           <a:p>
-            <a:pPr marL="343080" indent="-342000">
+            <a:pPr marL="343080" indent="-341640">
               <a:lnSpc>
                 <a:spcPct val="100000"/>
               </a:lnSpc>
@@ -9662,7 +9300,7 @@
             </a:endParaRPr>
           </a:p>
           <a:p>
-            <a:pPr marL="343080" indent="-342000">
+            <a:pPr marL="343080" indent="-341640">
               <a:lnSpc>
                 <a:spcPct val="100000"/>
               </a:lnSpc>
@@ -9687,7 +9325,7 @@
             </a:endParaRPr>
           </a:p>
           <a:p>
-            <a:pPr marL="343080" indent="-342000">
+            <a:pPr marL="343080" indent="-341640">
               <a:lnSpc>
                 <a:spcPct val="100000"/>
               </a:lnSpc>
@@ -9712,7 +9350,7 @@
             </a:endParaRPr>
           </a:p>
           <a:p>
-            <a:pPr marL="343080" indent="-342000">
+            <a:pPr marL="343080" indent="-341640">
               <a:lnSpc>
                 <a:spcPct val="100000"/>
               </a:lnSpc>
@@ -9737,7 +9375,7 @@
             </a:endParaRPr>
           </a:p>
           <a:p>
-            <a:pPr marL="343080" indent="-342000">
+            <a:pPr marL="343080" indent="-341640">
               <a:lnSpc>
                 <a:spcPct val="100000"/>
               </a:lnSpc>
@@ -9755,7 +9393,7 @@
                 <a:latin typeface="Exo 2"/>
                 <a:ea typeface="DejaVu Sans"/>
               </a:rPr>
-              <a:t>? Tem alguma deficiência?  Aguarde a aula sobre isso...</a:t>
+              <a:t>Durante sua volta para casa, leva uma maleta de ferramentas na mão, só consegue utilizar seu smartphone com ambas as mãos quando chega em casa</a:t>
             </a:r>
             <a:endParaRPr b="0" lang="pt-BR" sz="1800" spc="-1" strike="noStrike">
               <a:latin typeface="Arial"/>
@@ -9772,7 +9410,7 @@
         <p:spPr>
           <a:xfrm>
             <a:off x="12605400" y="7237080"/>
-            <a:ext cx="627480" cy="213120"/>
+            <a:ext cx="627120" cy="212760"/>
           </a:xfrm>
           <a:prstGeom prst="rect">
             <a:avLst/>
@@ -9827,7 +9465,7 @@
         <p:spPr>
           <a:xfrm>
             <a:off x="1173240" y="2303640"/>
-            <a:ext cx="1346400" cy="2020320"/>
+            <a:ext cx="1346040" cy="2019960"/>
           </a:xfrm>
           <a:prstGeom prst="rect">
             <a:avLst/>
@@ -9846,7 +9484,7 @@
         <p:spPr>
           <a:xfrm>
             <a:off x="1587240" y="803160"/>
-            <a:ext cx="11041920" cy="564480"/>
+            <a:ext cx="11041560" cy="564120"/>
           </a:xfrm>
           <a:prstGeom prst="rect">
             <a:avLst/>
@@ -9878,6 +9516,7 @@
                   <a:srgbClr val="000000"/>
                 </a:solidFill>
                 <a:latin typeface="Exo 2"/>
+                <a:ea typeface="DejaVu Sans"/>
               </a:rPr>
               <a:t>Usuário frequente de aplicativo de relacionamento.</a:t>
             </a:r>
@@ -9896,7 +9535,7 @@
         <p:spPr>
           <a:xfrm>
             <a:off x="4824000" y="108360"/>
-            <a:ext cx="3703680" cy="564480"/>
+            <a:ext cx="3703320" cy="564120"/>
           </a:xfrm>
           <a:prstGeom prst="rect">
             <a:avLst/>
@@ -9928,10 +9567,92 @@
                   <a:srgbClr val="000000"/>
                 </a:solidFill>
                 <a:latin typeface="Exo 2"/>
+                <a:ea typeface="DejaVu Sans"/>
               </a:rPr>
               <a:t>PROTO-PERSONA</a:t>
             </a:r>
             <a:endParaRPr b="0" lang="pt-BR" sz="3200" spc="-1" strike="noStrike">
+              <a:latin typeface="Arial"/>
+            </a:endParaRPr>
+          </a:p>
+        </p:txBody>
+      </p:sp>
+      <p:sp>
+        <p:nvSpPr>
+          <p:cNvPr id="110" name="CustomShape 16"/>
+          <p:cNvSpPr/>
+          <p:nvPr/>
+        </p:nvSpPr>
+        <p:spPr>
+          <a:xfrm>
+            <a:off x="2592000" y="2400480"/>
+            <a:ext cx="3997440" cy="1766160"/>
+          </a:xfrm>
+          <a:prstGeom prst="rect">
+            <a:avLst/>
+          </a:prstGeom>
+          <a:noFill/>
+          <a:ln>
+            <a:noFill/>
+          </a:ln>
+        </p:spPr>
+        <p:style>
+          <a:lnRef idx="0"/>
+          <a:fillRef idx="0"/>
+          <a:effectRef idx="0"/>
+          <a:fontRef idx="minor"/>
+        </p:style>
+        <p:txBody>
+          <a:bodyPr lIns="90000" rIns="90000" tIns="45000" bIns="45000">
+            <a:spAutoFit/>
+          </a:bodyPr>
+          <a:p>
+            <a:pPr>
+              <a:lnSpc>
+                <a:spcPct val="100000"/>
+              </a:lnSpc>
+            </a:pPr>
+            <a:r>
+              <a:rPr b="0" lang="pt-BR" sz="2000" spc="-1" strike="noStrike">
+                <a:solidFill>
+                  <a:srgbClr val="000000"/>
+                </a:solidFill>
+                <a:latin typeface="Exo 2"/>
+                <a:ea typeface="DejaVu Sans"/>
+              </a:rPr>
+              <a:t>Ricardo</a:t>
+            </a:r>
+            <a:endParaRPr b="0" lang="pt-BR" sz="2000" spc="-1" strike="noStrike">
+              <a:latin typeface="Arial"/>
+            </a:endParaRPr>
+          </a:p>
+          <a:p>
+            <a:pPr>
+              <a:lnSpc>
+                <a:spcPct val="100000"/>
+              </a:lnSpc>
+            </a:pPr>
+            <a:r>
+              <a:rPr b="0" lang="pt-BR" sz="1800" spc="-1" strike="noStrike">
+                <a:solidFill>
+                  <a:srgbClr val="000000"/>
+                </a:solidFill>
+                <a:latin typeface="Exo 2"/>
+                <a:ea typeface="DejaVu Sans"/>
+              </a:rPr>
+              <a:t>‘’</a:t>
+            </a:r>
+            <a:r>
+              <a:rPr b="0" lang="pt-BR" sz="1800" spc="-1" strike="noStrike">
+                <a:solidFill>
+                  <a:srgbClr val="000000"/>
+                </a:solidFill>
+                <a:latin typeface="Exo 2"/>
+                <a:ea typeface="DejaVu Sans"/>
+              </a:rPr>
+              <a:t>Me sinto sozinho e quero conhecer novas pessoas, quem sabe um novo amor, através de um aplicativo de relacionamento.’’</a:t>
+            </a:r>
+            <a:endParaRPr b="0" lang="pt-BR" sz="1800" spc="-1" strike="noStrike">
               <a:latin typeface="Arial"/>
             </a:endParaRPr>
           </a:p>
@@ -9969,14 +9690,14 @@
       </p:grpSpPr>
       <p:sp>
         <p:nvSpPr>
-          <p:cNvPr id="110" name="CustomShape 1"/>
+          <p:cNvPr id="111" name="CustomShape 1"/>
           <p:cNvSpPr/>
           <p:nvPr/>
         </p:nvSpPr>
         <p:spPr>
           <a:xfrm>
             <a:off x="2184840" y="108360"/>
-            <a:ext cx="10781640" cy="764640"/>
+            <a:ext cx="10781280" cy="764280"/>
           </a:xfrm>
           <a:prstGeom prst="rect">
             <a:avLst/>
@@ -9997,7 +9718,7 @@
             <a:noAutofit/>
           </a:bodyPr>
           <a:p>
-            <a:pPr marL="430920" indent="-429840">
+            <a:pPr marL="430920" indent="-429480">
               <a:lnSpc>
                 <a:spcPct val="100000"/>
               </a:lnSpc>
@@ -10026,14 +9747,14 @@
       </p:sp>
       <p:sp>
         <p:nvSpPr>
-          <p:cNvPr id="111" name="CustomShape 2"/>
+          <p:cNvPr id="112" name="CustomShape 2"/>
           <p:cNvSpPr/>
           <p:nvPr/>
         </p:nvSpPr>
         <p:spPr>
           <a:xfrm>
             <a:off x="12605400" y="7237080"/>
-            <a:ext cx="627480" cy="213120"/>
+            <a:ext cx="627120" cy="212760"/>
           </a:xfrm>
           <a:prstGeom prst="rect">
             <a:avLst/>
@@ -10077,14 +9798,14 @@
       </p:sp>
       <p:sp>
         <p:nvSpPr>
-          <p:cNvPr id="112" name="CustomShape 3"/>
+          <p:cNvPr id="113" name="CustomShape 3"/>
           <p:cNvSpPr/>
           <p:nvPr/>
         </p:nvSpPr>
         <p:spPr>
           <a:xfrm>
             <a:off x="610200" y="1109520"/>
-            <a:ext cx="12447000" cy="3311280"/>
+            <a:ext cx="12446640" cy="3310920"/>
           </a:xfrm>
           <a:prstGeom prst="rect">
             <a:avLst/>
@@ -10105,7 +9826,7 @@
             <a:noAutofit/>
           </a:bodyPr>
           <a:p>
-            <a:pPr marL="430920" indent="-429840">
+            <a:pPr marL="430920" indent="-429480">
               <a:lnSpc>
                 <a:spcPct val="100000"/>
               </a:lnSpc>
@@ -10126,127 +9847,7 @@
                 <a:latin typeface="Exo 2"/>
                 <a:ea typeface="DejaVu Sans"/>
               </a:rPr>
-              <a:t>As analises realizadas para </a:t>
-            </a:r>
-            <a:r>
-              <a:rPr b="0" lang="pt-BR" sz="4000" spc="-1" strike="noStrike">
-                <a:solidFill>
-                  <a:srgbClr val="000000"/>
-                </a:solidFill>
-                <a:latin typeface="Exo 2"/>
-                <a:ea typeface="DejaVu Sans"/>
-              </a:rPr>
-              <a:t>determinar as características da </a:t>
-            </a:r>
-            <a:r>
-              <a:rPr b="0" lang="pt-BR" sz="4000" spc="-1" strike="noStrike">
-                <a:solidFill>
-                  <a:srgbClr val="000000"/>
-                </a:solidFill>
-                <a:latin typeface="Exo 2"/>
-                <a:ea typeface="DejaVu Sans"/>
-              </a:rPr>
-              <a:t>persona foram psicológicas, pois a </a:t>
-            </a:r>
-            <a:r>
-              <a:rPr b="0" lang="pt-BR" sz="4000" spc="-1" strike="noStrike">
-                <a:solidFill>
-                  <a:srgbClr val="000000"/>
-                </a:solidFill>
-                <a:latin typeface="Exo 2"/>
-                <a:ea typeface="DejaVu Sans"/>
-              </a:rPr>
-              <a:t>maioria dos indivíduos apresentam </a:t>
-            </a:r>
-            <a:r>
-              <a:rPr b="0" lang="pt-BR" sz="4000" spc="-1" strike="noStrike">
-                <a:solidFill>
-                  <a:srgbClr val="000000"/>
-                </a:solidFill>
-                <a:latin typeface="Exo 2"/>
-                <a:ea typeface="DejaVu Sans"/>
-              </a:rPr>
-              <a:t>um tipo de ansiedade e uma outra </a:t>
-            </a:r>
-            <a:r>
-              <a:rPr b="0" lang="pt-BR" sz="4000" spc="-1" strike="noStrike">
-                <a:solidFill>
-                  <a:srgbClr val="000000"/>
-                </a:solidFill>
-                <a:latin typeface="Exo 2"/>
-                <a:ea typeface="DejaVu Sans"/>
-              </a:rPr>
-              <a:t>parte insegurança. Foi observado </a:t>
-            </a:r>
-            <a:r>
-              <a:rPr b="0" lang="pt-BR" sz="4000" spc="-1" strike="noStrike">
-                <a:solidFill>
-                  <a:srgbClr val="000000"/>
-                </a:solidFill>
-                <a:latin typeface="Exo 2"/>
-                <a:ea typeface="DejaVu Sans"/>
-              </a:rPr>
-              <a:t>também o horário em que os usuários </a:t>
-            </a:r>
-            <a:r>
-              <a:rPr b="0" lang="pt-BR" sz="4000" spc="-1" strike="noStrike">
-                <a:solidFill>
-                  <a:srgbClr val="000000"/>
-                </a:solidFill>
-                <a:latin typeface="Exo 2"/>
-                <a:ea typeface="DejaVu Sans"/>
-              </a:rPr>
-              <a:t>começam a utilizar o aplicativo que </a:t>
-            </a:r>
-            <a:r>
-              <a:rPr b="0" lang="pt-BR" sz="4000" spc="-1" strike="noStrike">
-                <a:solidFill>
-                  <a:srgbClr val="000000"/>
-                </a:solidFill>
-                <a:latin typeface="Exo 2"/>
-                <a:ea typeface="DejaVu Sans"/>
-              </a:rPr>
-              <a:t>abrange a parte do fim de tarde e de </a:t>
-            </a:r>
-            <a:r>
-              <a:rPr b="0" lang="pt-BR" sz="4000" spc="-1" strike="noStrike">
-                <a:solidFill>
-                  <a:srgbClr val="000000"/>
-                </a:solidFill>
-                <a:latin typeface="Exo 2"/>
-                <a:ea typeface="DejaVu Sans"/>
-              </a:rPr>
-              <a:t>noite. Além disso, aspectos como </a:t>
-            </a:r>
-            <a:r>
-              <a:rPr b="0" lang="pt-BR" sz="4000" spc="-1" strike="noStrike">
-                <a:solidFill>
-                  <a:srgbClr val="000000"/>
-                </a:solidFill>
-                <a:latin typeface="Exo 2"/>
-                <a:ea typeface="DejaVu Sans"/>
-              </a:rPr>
-              <a:t>interesses pessoais e localização </a:t>
-            </a:r>
-            <a:r>
-              <a:rPr b="0" lang="pt-BR" sz="4000" spc="-1" strike="noStrike">
-                <a:solidFill>
-                  <a:srgbClr val="000000"/>
-                </a:solidFill>
-                <a:latin typeface="Exo 2"/>
-                <a:ea typeface="DejaVu Sans"/>
-              </a:rPr>
-              <a:t>também foram levadas em </a:t>
-            </a:r>
-            <a:r>
-              <a:rPr b="0" lang="pt-BR" sz="4000" spc="-1" strike="noStrike">
-                <a:solidFill>
-                  <a:srgbClr val="000000"/>
-                </a:solidFill>
-                <a:latin typeface="Exo 2"/>
-                <a:ea typeface="DejaVu Sans"/>
-              </a:rPr>
-              <a:t>consideração.</a:t>
+              <a:t>As analises realizadas para determinar as características da persona foram psicológicas, pois a maioria dos indivíduos apresentam um tipo de ansiedade e uma outra parte insegurança. Foi observado também o horário em que os usuários começam a utilizar o aplicativo que abrange a parte do fim de tarde e de noite. Além disso, aspectos como interesses pessoais e localização também foram levadas em consideração.</a:t>
             </a:r>
             <a:endParaRPr b="0" lang="pt-BR" sz="4000" spc="-1" strike="noStrike">
               <a:latin typeface="Arial"/>
@@ -10318,7 +9919,7 @@
                                           </p:stCondLst>
                                         </p:cTn>
                                         <p:tgtEl>
-                                          <p:spTgt spid="112">
+                                          <p:spTgt spid="113">
                                             <p:txEl>
                                               <p:pRg st="0" end="0"/>
                                             </p:txEl>
@@ -10385,14 +9986,14 @@
       </p:grpSpPr>
       <p:sp>
         <p:nvSpPr>
-          <p:cNvPr id="113" name="CustomShape 1"/>
+          <p:cNvPr id="114" name="CustomShape 1"/>
           <p:cNvSpPr/>
           <p:nvPr/>
         </p:nvSpPr>
         <p:spPr>
           <a:xfrm>
             <a:off x="8129160" y="3312000"/>
-            <a:ext cx="4614840" cy="1512720"/>
+            <a:ext cx="4614480" cy="1512360"/>
           </a:xfrm>
           <a:prstGeom prst="rect">
             <a:avLst/>
@@ -10468,14 +10069,14 @@
       </p:sp>
       <p:sp>
         <p:nvSpPr>
-          <p:cNvPr id="114" name="CustomShape 2"/>
+          <p:cNvPr id="115" name="CustomShape 2"/>
           <p:cNvSpPr/>
           <p:nvPr/>
         </p:nvSpPr>
         <p:spPr>
           <a:xfrm>
             <a:off x="8201160" y="5184000"/>
-            <a:ext cx="4614840" cy="1080000"/>
+            <a:ext cx="4614480" cy="1079640"/>
           </a:xfrm>
           <a:prstGeom prst="rect">
             <a:avLst/>
@@ -10507,7 +10108,7 @@
                 <a:tab algn="l" pos="0"/>
               </a:tabLst>
             </a:pPr>
-            <a:endParaRPr b="0" lang="pt-BR" sz="1800" spc="-1" strike="noStrike">
+            <a:endParaRPr b="0" lang="pt-BR" sz="1100" spc="-1" strike="noStrike">
               <a:latin typeface="Arial"/>
             </a:endParaRPr>
           </a:p>
@@ -10587,14 +10188,14 @@
       </p:grpSpPr>
       <p:sp>
         <p:nvSpPr>
-          <p:cNvPr id="115" name="CustomShape 1"/>
+          <p:cNvPr id="116" name="CustomShape 1"/>
           <p:cNvSpPr/>
           <p:nvPr/>
         </p:nvSpPr>
         <p:spPr>
           <a:xfrm>
             <a:off x="11925360" y="7237080"/>
-            <a:ext cx="627480" cy="213120"/>
+            <a:ext cx="627120" cy="212760"/>
           </a:xfrm>
           <a:prstGeom prst="rect">
             <a:avLst/>
@@ -10620,7 +10221,7 @@
                 <a:spcPct val="100000"/>
               </a:lnSpc>
             </a:pPr>
-            <a:fld id="{F0781563-9AC4-4BCE-AA87-67905E6180C9}" type="slidenum">
+            <a:fld id="{CDCF3EF4-4EAF-43FD-B2A0-1187609F01C0}" type="slidenum">
               <a:rPr b="1" lang="pt-BR" sz="1260" spc="-1" strike="noStrike">
                 <a:solidFill>
                   <a:srgbClr val="ffffff"/>
@@ -10638,14 +10239,14 @@
       </p:sp>
       <p:sp>
         <p:nvSpPr>
-          <p:cNvPr id="116" name="CustomShape 2"/>
+          <p:cNvPr id="117" name="CustomShape 2"/>
           <p:cNvSpPr/>
           <p:nvPr/>
         </p:nvSpPr>
         <p:spPr>
           <a:xfrm>
             <a:off x="2184840" y="108360"/>
-            <a:ext cx="10781640" cy="764640"/>
+            <a:ext cx="10781280" cy="764280"/>
           </a:xfrm>
           <a:prstGeom prst="rect">
             <a:avLst/>
@@ -10664,14 +10265,14 @@
       </p:sp>
       <p:sp>
         <p:nvSpPr>
-          <p:cNvPr id="117" name="CustomShape 3"/>
+          <p:cNvPr id="118" name="CustomShape 3"/>
           <p:cNvSpPr/>
           <p:nvPr/>
         </p:nvSpPr>
         <p:spPr>
           <a:xfrm>
             <a:off x="936720" y="1584000"/>
-            <a:ext cx="5758920" cy="2878920"/>
+            <a:ext cx="5758560" cy="2878560"/>
           </a:xfrm>
           <a:prstGeom prst="rect">
             <a:avLst/>
@@ -10701,14 +10302,14 @@
       </p:sp>
       <p:sp>
         <p:nvSpPr>
-          <p:cNvPr id="118" name="CustomShape 4"/>
+          <p:cNvPr id="119" name="CustomShape 4"/>
           <p:cNvSpPr/>
           <p:nvPr/>
         </p:nvSpPr>
         <p:spPr>
           <a:xfrm>
             <a:off x="936720" y="4536720"/>
-            <a:ext cx="11590920" cy="2055960"/>
+            <a:ext cx="11590560" cy="2639880"/>
           </a:xfrm>
           <a:prstGeom prst="rect">
             <a:avLst/>
@@ -10738,14 +10339,14 @@
       </p:sp>
       <p:sp>
         <p:nvSpPr>
-          <p:cNvPr id="119" name="CustomShape 5"/>
+          <p:cNvPr id="120" name="CustomShape 5"/>
           <p:cNvSpPr/>
           <p:nvPr/>
         </p:nvSpPr>
         <p:spPr>
           <a:xfrm>
             <a:off x="6768720" y="1584360"/>
-            <a:ext cx="5758920" cy="2878920"/>
+            <a:ext cx="5758560" cy="2878560"/>
           </a:xfrm>
           <a:prstGeom prst="rect">
             <a:avLst/>
@@ -10775,14 +10376,14 @@
       </p:sp>
       <p:sp>
         <p:nvSpPr>
-          <p:cNvPr id="120" name="CustomShape 6"/>
+          <p:cNvPr id="121" name="CustomShape 6"/>
           <p:cNvSpPr/>
           <p:nvPr/>
         </p:nvSpPr>
         <p:spPr>
           <a:xfrm>
             <a:off x="2153160" y="756360"/>
-            <a:ext cx="12200040" cy="1439640"/>
+            <a:ext cx="12199680" cy="1439280"/>
           </a:xfrm>
           <a:prstGeom prst="rect">
             <a:avLst/>
@@ -10801,14 +10402,14 @@
       </p:sp>
       <p:sp>
         <p:nvSpPr>
-          <p:cNvPr id="121" name="CustomShape 7"/>
+          <p:cNvPr id="122" name="CustomShape 7"/>
           <p:cNvSpPr/>
           <p:nvPr/>
         </p:nvSpPr>
         <p:spPr>
           <a:xfrm>
             <a:off x="2592000" y="2400480"/>
-            <a:ext cx="3997800" cy="1766160"/>
+            <a:ext cx="3997440" cy="1765800"/>
           </a:xfrm>
           <a:prstGeom prst="rect">
             <a:avLst/>
@@ -10827,14 +10428,14 @@
       </p:sp>
       <p:sp>
         <p:nvSpPr>
-          <p:cNvPr id="122" name="CustomShape 8"/>
+          <p:cNvPr id="123" name="CustomShape 8"/>
           <p:cNvSpPr/>
           <p:nvPr/>
         </p:nvSpPr>
         <p:spPr>
           <a:xfrm>
             <a:off x="6755040" y="2293560"/>
-            <a:ext cx="5758920" cy="1735920"/>
+            <a:ext cx="5758560" cy="1735560"/>
           </a:xfrm>
           <a:prstGeom prst="rect">
             <a:avLst/>
@@ -10853,14 +10454,14 @@
       </p:sp>
       <p:sp>
         <p:nvSpPr>
-          <p:cNvPr id="123" name="CustomShape 9"/>
+          <p:cNvPr id="124" name="CustomShape 9"/>
           <p:cNvSpPr/>
           <p:nvPr/>
         </p:nvSpPr>
         <p:spPr>
           <a:xfrm>
             <a:off x="936000" y="1693080"/>
-            <a:ext cx="5863320" cy="576360"/>
+            <a:ext cx="5862960" cy="576360"/>
           </a:xfrm>
           <a:prstGeom prst="rect">
             <a:avLst/>
@@ -10904,14 +10505,14 @@
       </p:sp>
       <p:sp>
         <p:nvSpPr>
-          <p:cNvPr id="124" name="CustomShape 10"/>
+          <p:cNvPr id="125" name="CustomShape 10"/>
           <p:cNvSpPr/>
           <p:nvPr/>
         </p:nvSpPr>
         <p:spPr>
           <a:xfrm>
-            <a:off x="6901920" y="1755360"/>
-            <a:ext cx="4096440" cy="576360"/>
+            <a:off x="6912000" y="1656000"/>
+            <a:ext cx="4096080" cy="576360"/>
           </a:xfrm>
           <a:prstGeom prst="rect">
             <a:avLst/>
@@ -10955,14 +10556,14 @@
       </p:sp>
       <p:sp>
         <p:nvSpPr>
-          <p:cNvPr id="125" name="CustomShape 11"/>
+          <p:cNvPr id="126" name="CustomShape 11"/>
           <p:cNvSpPr/>
           <p:nvPr/>
         </p:nvSpPr>
         <p:spPr>
           <a:xfrm>
             <a:off x="1029240" y="4536360"/>
-            <a:ext cx="2818080" cy="333000"/>
+            <a:ext cx="2817720" cy="333000"/>
           </a:xfrm>
           <a:prstGeom prst="rect">
             <a:avLst/>
@@ -11006,14 +10607,14 @@
       </p:sp>
       <p:sp>
         <p:nvSpPr>
-          <p:cNvPr id="126" name="CustomShape 12"/>
+          <p:cNvPr id="127" name="CustomShape 12"/>
           <p:cNvSpPr/>
           <p:nvPr/>
         </p:nvSpPr>
         <p:spPr>
           <a:xfrm>
             <a:off x="928080" y="5004360"/>
-            <a:ext cx="10429920" cy="1187640"/>
+            <a:ext cx="10429560" cy="1187280"/>
           </a:xfrm>
           <a:prstGeom prst="rect">
             <a:avLst/>
@@ -11032,14 +10633,14 @@
       </p:sp>
       <p:sp>
         <p:nvSpPr>
-          <p:cNvPr id="127" name="CustomShape 13"/>
+          <p:cNvPr id="128" name="CustomShape 13"/>
           <p:cNvSpPr/>
           <p:nvPr/>
         </p:nvSpPr>
         <p:spPr>
           <a:xfrm>
             <a:off x="12605400" y="7237080"/>
-            <a:ext cx="627480" cy="213120"/>
+            <a:ext cx="627120" cy="212760"/>
           </a:xfrm>
           <a:prstGeom prst="rect">
             <a:avLst/>
@@ -11083,14 +10684,14 @@
       </p:sp>
       <p:sp>
         <p:nvSpPr>
-          <p:cNvPr id="128" name="CustomShape 14"/>
+          <p:cNvPr id="129" name="CustomShape 14"/>
           <p:cNvSpPr/>
           <p:nvPr/>
         </p:nvSpPr>
         <p:spPr>
           <a:xfrm>
-            <a:off x="1773720" y="803160"/>
-            <a:ext cx="11041920" cy="564480"/>
+            <a:off x="1728000" y="576000"/>
+            <a:ext cx="11618280" cy="564120"/>
           </a:xfrm>
           <a:prstGeom prst="rect">
             <a:avLst/>
@@ -11122,8 +10723,9 @@
                   <a:srgbClr val="000000"/>
                 </a:solidFill>
                 <a:latin typeface="Exo 2"/>
-              </a:rPr>
-              <a:t>Usuário frequente de aplicativo de relacionamento.</a:t>
+                <a:ea typeface="DejaVu Sans"/>
+              </a:rPr>
+              <a:t>Usuário frequente de aplicativo para combinar eventos culturais.</a:t>
             </a:r>
             <a:endParaRPr b="0" lang="pt-BR" sz="3200" spc="-1" strike="noStrike">
               <a:latin typeface="Arial"/>
@@ -11133,14 +10735,14 @@
       </p:sp>
       <p:sp>
         <p:nvSpPr>
-          <p:cNvPr id="129" name="CustomShape 15"/>
+          <p:cNvPr id="130" name="CustomShape 15"/>
           <p:cNvSpPr/>
           <p:nvPr/>
         </p:nvSpPr>
         <p:spPr>
           <a:xfrm>
-            <a:off x="3024000" y="191520"/>
-            <a:ext cx="8063640" cy="564480"/>
+            <a:off x="3024000" y="108360"/>
+            <a:ext cx="8063280" cy="564120"/>
           </a:xfrm>
           <a:prstGeom prst="rect">
             <a:avLst/>
@@ -11172,8 +10774,39 @@
                   <a:srgbClr val="000000"/>
                 </a:solidFill>
                 <a:latin typeface="Exo 2"/>
-              </a:rPr>
-              <a:t>PROTO-PERSONA APLICATIVO KNOWU</a:t>
+                <a:ea typeface="DejaVu Sans"/>
+              </a:rPr>
+              <a:t>	</a:t>
+            </a:r>
+            <a:r>
+              <a:rPr b="0" lang="pt-BR" sz="3200" spc="-1" strike="noStrike">
+                <a:solidFill>
+                  <a:srgbClr val="000000"/>
+                </a:solidFill>
+                <a:latin typeface="Exo 2"/>
+                <a:ea typeface="DejaVu Sans"/>
+              </a:rPr>
+              <a:t>	</a:t>
+            </a:r>
+            <a:r>
+              <a:rPr b="0" lang="pt-BR" sz="3200" spc="-1" strike="noStrike">
+                <a:solidFill>
+                  <a:srgbClr val="000000"/>
+                </a:solidFill>
+                <a:latin typeface="Exo 2"/>
+                <a:ea typeface="DejaVu Sans"/>
+              </a:rPr>
+              <a:t>  </a:t>
+            </a:r>
+            <a:r>
+              <a:rPr b="0" lang="pt-BR" sz="3200" spc="-1" strike="noStrike">
+                <a:solidFill>
+                  <a:srgbClr val="000000"/>
+                </a:solidFill>
+                <a:latin typeface="Exo 2"/>
+                <a:ea typeface="DejaVu Sans"/>
+              </a:rPr>
+              <a:t>PROTO-PERSONA KNOWU</a:t>
             </a:r>
             <a:endParaRPr b="0" lang="pt-BR" sz="3200" spc="-1" strike="noStrike">
               <a:latin typeface="Arial"/>
@@ -11181,6 +10814,557 @@
           </a:p>
         </p:txBody>
       </p:sp>
+      <p:sp>
+        <p:nvSpPr>
+          <p:cNvPr id="131" name="CustomShape 16"/>
+          <p:cNvSpPr/>
+          <p:nvPr/>
+        </p:nvSpPr>
+        <p:spPr>
+          <a:xfrm>
+            <a:off x="2592000" y="2207520"/>
+            <a:ext cx="3997440" cy="2040480"/>
+          </a:xfrm>
+          <a:prstGeom prst="rect">
+            <a:avLst/>
+          </a:prstGeom>
+          <a:noFill/>
+          <a:ln>
+            <a:noFill/>
+          </a:ln>
+        </p:spPr>
+        <p:style>
+          <a:lnRef idx="0"/>
+          <a:fillRef idx="0"/>
+          <a:effectRef idx="0"/>
+          <a:fontRef idx="minor"/>
+        </p:style>
+        <p:txBody>
+          <a:bodyPr lIns="90000" rIns="90000" tIns="45000" bIns="45000">
+            <a:spAutoFit/>
+          </a:bodyPr>
+          <a:p>
+            <a:pPr>
+              <a:lnSpc>
+                <a:spcPct val="100000"/>
+              </a:lnSpc>
+            </a:pPr>
+            <a:r>
+              <a:rPr b="0" lang="pt-BR" sz="2000" spc="-1" strike="noStrike">
+                <a:solidFill>
+                  <a:srgbClr val="000000"/>
+                </a:solidFill>
+                <a:latin typeface="Exo 2"/>
+                <a:ea typeface="DejaVu Sans"/>
+              </a:rPr>
+              <a:t>Gabriela</a:t>
+            </a:r>
+            <a:endParaRPr b="0" lang="pt-BR" sz="2000" spc="-1" strike="noStrike">
+              <a:latin typeface="Arial"/>
+            </a:endParaRPr>
+          </a:p>
+          <a:p>
+            <a:pPr>
+              <a:lnSpc>
+                <a:spcPct val="100000"/>
+              </a:lnSpc>
+            </a:pPr>
+            <a:r>
+              <a:rPr b="0" lang="pt-BR" sz="1800" spc="-1" strike="noStrike">
+                <a:solidFill>
+                  <a:srgbClr val="000000"/>
+                </a:solidFill>
+                <a:latin typeface="Exo 2"/>
+                <a:ea typeface="DejaVu Sans"/>
+              </a:rPr>
+              <a:t>‘’</a:t>
+            </a:r>
+            <a:r>
+              <a:rPr b="0" lang="pt-BR" sz="1800" spc="-1" strike="noStrike">
+                <a:solidFill>
+                  <a:srgbClr val="000000"/>
+                </a:solidFill>
+                <a:latin typeface="Exo 2"/>
+                <a:ea typeface="DejaVu Sans"/>
+              </a:rPr>
+              <a:t>Procuro ir a eventos culturais e conhecer pessoas novas independente de sexualidade ou gênero, entretanto, antes gostaria de saber se aquela pessoa é real.’’</a:t>
+            </a:r>
+            <a:endParaRPr b="0" lang="pt-BR" sz="1800" spc="-1" strike="noStrike">
+              <a:latin typeface="Arial"/>
+            </a:endParaRPr>
+          </a:p>
+        </p:txBody>
+      </p:sp>
+      <p:sp>
+        <p:nvSpPr>
+          <p:cNvPr id="132" name="CustomShape 17"/>
+          <p:cNvSpPr/>
+          <p:nvPr/>
+        </p:nvSpPr>
+        <p:spPr>
+          <a:xfrm>
+            <a:off x="6755040" y="2178360"/>
+            <a:ext cx="5772240" cy="2280600"/>
+          </a:xfrm>
+          <a:prstGeom prst="rect">
+            <a:avLst/>
+          </a:prstGeom>
+          <a:noFill/>
+          <a:ln>
+            <a:noFill/>
+          </a:ln>
+        </p:spPr>
+        <p:style>
+          <a:lnRef idx="0"/>
+          <a:fillRef idx="0"/>
+          <a:effectRef idx="0"/>
+          <a:fontRef idx="minor"/>
+        </p:style>
+        <p:txBody>
+          <a:bodyPr lIns="90000" rIns="90000" tIns="45000" bIns="45000">
+            <a:spAutoFit/>
+          </a:bodyPr>
+          <a:p>
+            <a:pPr marL="343080" indent="-341640">
+              <a:lnSpc>
+                <a:spcPct val="100000"/>
+              </a:lnSpc>
+              <a:buClr>
+                <a:srgbClr val="000000"/>
+              </a:buClr>
+              <a:buFont typeface="Arial"/>
+              <a:buChar char="•"/>
+            </a:pPr>
+            <a:r>
+              <a:rPr b="0" lang="pt-BR" sz="1600" spc="-1" strike="noStrike">
+                <a:solidFill>
+                  <a:srgbClr val="000000"/>
+                </a:solidFill>
+                <a:latin typeface="Exo 2"/>
+                <a:ea typeface="DejaVu Sans"/>
+              </a:rPr>
+              <a:t>Romântica </a:t>
+            </a:r>
+            <a:endParaRPr b="0" lang="pt-BR" sz="1600" spc="-1" strike="noStrike">
+              <a:latin typeface="Arial"/>
+            </a:endParaRPr>
+          </a:p>
+          <a:p>
+            <a:pPr marL="343080" indent="-341640">
+              <a:lnSpc>
+                <a:spcPct val="100000"/>
+              </a:lnSpc>
+              <a:buClr>
+                <a:srgbClr val="000000"/>
+              </a:buClr>
+              <a:buFont typeface="Arial"/>
+              <a:buChar char="•"/>
+            </a:pPr>
+            <a:r>
+              <a:rPr b="0" lang="pt-BR" sz="1600" spc="-1" strike="noStrike">
+                <a:solidFill>
+                  <a:srgbClr val="000000"/>
+                </a:solidFill>
+                <a:latin typeface="Exo 2"/>
+                <a:ea typeface="DejaVu Sans"/>
+              </a:rPr>
+              <a:t>Atarefada durante a manhã e a </a:t>
+            </a:r>
+            <a:r>
+              <a:rPr b="0" lang="pt-BR" sz="1600" spc="-1" strike="noStrike">
+                <a:solidFill>
+                  <a:srgbClr val="000000"/>
+                </a:solidFill>
+                <a:latin typeface="Exo 2"/>
+                <a:ea typeface="DejaVu Sans"/>
+              </a:rPr>
+              <a:t>noite</a:t>
+            </a:r>
+            <a:endParaRPr b="0" lang="pt-BR" sz="1600" spc="-1" strike="noStrike">
+              <a:latin typeface="Arial"/>
+            </a:endParaRPr>
+          </a:p>
+          <a:p>
+            <a:pPr marL="343080" indent="-341640">
+              <a:lnSpc>
+                <a:spcPct val="100000"/>
+              </a:lnSpc>
+              <a:buClr>
+                <a:srgbClr val="000000"/>
+              </a:buClr>
+              <a:buFont typeface="Arial"/>
+              <a:buChar char="•"/>
+            </a:pPr>
+            <a:r>
+              <a:rPr b="0" lang="pt-BR" sz="1600" spc="-1" strike="noStrike">
+                <a:solidFill>
+                  <a:srgbClr val="000000"/>
+                </a:solidFill>
+                <a:latin typeface="Exo 2"/>
+                <a:ea typeface="DejaVu Sans"/>
+              </a:rPr>
+              <a:t>Conectada com as noticias</a:t>
+            </a:r>
+            <a:endParaRPr b="0" lang="pt-BR" sz="1600" spc="-1" strike="noStrike">
+              <a:latin typeface="Arial"/>
+            </a:endParaRPr>
+          </a:p>
+          <a:p>
+            <a:pPr marL="343080" indent="-341640">
+              <a:lnSpc>
+                <a:spcPct val="100000"/>
+              </a:lnSpc>
+              <a:buClr>
+                <a:srgbClr val="000000"/>
+              </a:buClr>
+              <a:buFont typeface="Arial"/>
+              <a:buChar char="•"/>
+            </a:pPr>
+            <a:r>
+              <a:rPr b="0" lang="pt-BR" sz="1600" spc="-1" strike="noStrike">
+                <a:solidFill>
+                  <a:srgbClr val="000000"/>
+                </a:solidFill>
+                <a:latin typeface="Exo 2"/>
+                <a:ea typeface="DejaVu Sans"/>
+              </a:rPr>
+              <a:t>Utiliza aplicativos de </a:t>
+            </a:r>
+            <a:r>
+              <a:rPr b="0" lang="pt-BR" sz="1600" spc="-1" strike="noStrike">
+                <a:solidFill>
+                  <a:srgbClr val="000000"/>
+                </a:solidFill>
+                <a:latin typeface="Exo 2"/>
+                <a:ea typeface="DejaVu Sans"/>
+              </a:rPr>
+              <a:t>relacionamento no tempo livre</a:t>
+            </a:r>
+            <a:endParaRPr b="0" lang="pt-BR" sz="1600" spc="-1" strike="noStrike">
+              <a:latin typeface="Arial"/>
+            </a:endParaRPr>
+          </a:p>
+          <a:p>
+            <a:pPr marL="343080" indent="-341640">
+              <a:lnSpc>
+                <a:spcPct val="100000"/>
+              </a:lnSpc>
+              <a:buClr>
+                <a:srgbClr val="000000"/>
+              </a:buClr>
+              <a:buFont typeface="Arial"/>
+              <a:buChar char="•"/>
+            </a:pPr>
+            <a:r>
+              <a:rPr b="0" lang="pt-BR" sz="1600" spc="-1" strike="noStrike">
+                <a:solidFill>
+                  <a:srgbClr val="000000"/>
+                </a:solidFill>
+                <a:latin typeface="Exo 2"/>
+                <a:ea typeface="DejaVu Sans"/>
+              </a:rPr>
+              <a:t>Desconfia quando vai sair com </a:t>
+            </a:r>
+            <a:r>
+              <a:rPr b="0" lang="pt-BR" sz="1600" spc="-1" strike="noStrike">
+                <a:solidFill>
+                  <a:srgbClr val="000000"/>
+                </a:solidFill>
+                <a:latin typeface="Exo 2"/>
+                <a:ea typeface="DejaVu Sans"/>
+              </a:rPr>
+              <a:t>alguém que conheceu no </a:t>
+            </a:r>
+            <a:r>
+              <a:rPr b="0" lang="pt-BR" sz="1600" spc="-1" strike="noStrike">
+                <a:solidFill>
+                  <a:srgbClr val="000000"/>
+                </a:solidFill>
+                <a:latin typeface="Exo 2"/>
+                <a:ea typeface="DejaVu Sans"/>
+              </a:rPr>
+              <a:t>aplicativo.</a:t>
+            </a:r>
+            <a:endParaRPr b="0" lang="pt-BR" sz="1600" spc="-1" strike="noStrike">
+              <a:latin typeface="Arial"/>
+            </a:endParaRPr>
+          </a:p>
+          <a:p>
+            <a:pPr marL="343080" indent="-341640">
+              <a:lnSpc>
+                <a:spcPct val="100000"/>
+              </a:lnSpc>
+              <a:buClr>
+                <a:srgbClr val="000000"/>
+              </a:buClr>
+              <a:buFont typeface="Arial"/>
+              <a:buChar char="•"/>
+            </a:pPr>
+            <a:r>
+              <a:rPr b="0" lang="pt-BR" sz="1600" spc="-1" strike="noStrike">
+                <a:solidFill>
+                  <a:srgbClr val="000000"/>
+                </a:solidFill>
+                <a:latin typeface="Exo 2"/>
+                <a:ea typeface="DejaVu Sans"/>
+              </a:rPr>
+              <a:t>Ansiosa</a:t>
+            </a:r>
+            <a:endParaRPr b="0" lang="pt-BR" sz="1600" spc="-1" strike="noStrike">
+              <a:latin typeface="Arial"/>
+            </a:endParaRPr>
+          </a:p>
+          <a:p>
+            <a:pPr marL="343080" indent="-341640">
+              <a:lnSpc>
+                <a:spcPct val="100000"/>
+              </a:lnSpc>
+              <a:buClr>
+                <a:srgbClr val="000000"/>
+              </a:buClr>
+              <a:buFont typeface="Arial"/>
+              <a:buChar char="•"/>
+            </a:pPr>
+            <a:r>
+              <a:rPr b="0" lang="pt-BR" sz="1600" spc="-1" strike="noStrike">
+                <a:solidFill>
+                  <a:srgbClr val="000000"/>
+                </a:solidFill>
+                <a:latin typeface="Exo 2"/>
+                <a:ea typeface="DejaVu Sans"/>
+              </a:rPr>
+              <a:t>Tímida </a:t>
+            </a:r>
+            <a:endParaRPr b="0" lang="pt-BR" sz="1600" spc="-1" strike="noStrike">
+              <a:latin typeface="Arial"/>
+            </a:endParaRPr>
+          </a:p>
+        </p:txBody>
+      </p:sp>
+      <p:sp>
+        <p:nvSpPr>
+          <p:cNvPr id="133" name="CustomShape 18"/>
+          <p:cNvSpPr/>
+          <p:nvPr/>
+        </p:nvSpPr>
+        <p:spPr>
+          <a:xfrm>
+            <a:off x="928080" y="4892400"/>
+            <a:ext cx="11527920" cy="2144520"/>
+          </a:xfrm>
+          <a:prstGeom prst="rect">
+            <a:avLst/>
+          </a:prstGeom>
+          <a:noFill/>
+          <a:ln>
+            <a:noFill/>
+          </a:ln>
+        </p:spPr>
+        <p:style>
+          <a:lnRef idx="0"/>
+          <a:fillRef idx="0"/>
+          <a:effectRef idx="0"/>
+          <a:fontRef idx="minor"/>
+        </p:style>
+        <p:txBody>
+          <a:bodyPr lIns="90000" rIns="90000" tIns="45000" bIns="45000">
+            <a:spAutoFit/>
+          </a:bodyPr>
+          <a:p>
+            <a:pPr marL="343080" indent="-341640">
+              <a:lnSpc>
+                <a:spcPct val="100000"/>
+              </a:lnSpc>
+              <a:buClr>
+                <a:srgbClr val="000000"/>
+              </a:buClr>
+              <a:buFont typeface="Arial"/>
+              <a:buChar char="•"/>
+            </a:pPr>
+            <a:r>
+              <a:rPr b="0" lang="pt-BR" sz="1500" spc="-1" strike="noStrike">
+                <a:solidFill>
+                  <a:srgbClr val="000000"/>
+                </a:solidFill>
+                <a:latin typeface="Exo 2"/>
+                <a:ea typeface="DejaVu Sans"/>
+              </a:rPr>
+              <a:t>Procura alguém para se relacionar, ou novos amigos</a:t>
+            </a:r>
+            <a:endParaRPr b="0" lang="pt-BR" sz="1500" spc="-1" strike="noStrike">
+              <a:latin typeface="Arial"/>
+            </a:endParaRPr>
+          </a:p>
+          <a:p>
+            <a:pPr marL="343080" indent="-341640">
+              <a:lnSpc>
+                <a:spcPct val="100000"/>
+              </a:lnSpc>
+              <a:buClr>
+                <a:srgbClr val="000000"/>
+              </a:buClr>
+              <a:buFont typeface="Arial"/>
+              <a:buChar char="•"/>
+            </a:pPr>
+            <a:r>
+              <a:rPr b="0" lang="pt-BR" sz="1500" spc="-1" strike="noStrike">
+                <a:solidFill>
+                  <a:srgbClr val="000000"/>
+                </a:solidFill>
+                <a:latin typeface="Exo 2"/>
+                <a:ea typeface="DejaVu Sans"/>
+              </a:rPr>
+              <a:t>É desconfiada e por isso gostaria de um aplicativo onde pudesse verificar se a pessoa a qual está conhecendo bate com suas características </a:t>
+            </a:r>
+            <a:endParaRPr b="0" lang="pt-BR" sz="1500" spc="-1" strike="noStrike">
+              <a:latin typeface="Arial"/>
+            </a:endParaRPr>
+          </a:p>
+          <a:p>
+            <a:pPr marL="343080" indent="-341640">
+              <a:lnSpc>
+                <a:spcPct val="100000"/>
+              </a:lnSpc>
+              <a:buClr>
+                <a:srgbClr val="000000"/>
+              </a:buClr>
+              <a:buFont typeface="Arial"/>
+              <a:buChar char="•"/>
+            </a:pPr>
+            <a:r>
+              <a:rPr b="0" lang="pt-BR" sz="1500" spc="-1" strike="noStrike">
+                <a:solidFill>
+                  <a:srgbClr val="000000"/>
+                </a:solidFill>
+                <a:latin typeface="Exo 2"/>
+                <a:ea typeface="DejaVu Sans"/>
+              </a:rPr>
+              <a:t>Gostaria de conhecer pessoas com interesses em comum</a:t>
+            </a:r>
+            <a:endParaRPr b="0" lang="pt-BR" sz="1500" spc="-1" strike="noStrike">
+              <a:latin typeface="Arial"/>
+            </a:endParaRPr>
+          </a:p>
+          <a:p>
+            <a:pPr marL="343080" indent="-341640">
+              <a:lnSpc>
+                <a:spcPct val="100000"/>
+              </a:lnSpc>
+              <a:buClr>
+                <a:srgbClr val="000000"/>
+              </a:buClr>
+              <a:buFont typeface="Arial"/>
+              <a:buChar char="•"/>
+            </a:pPr>
+            <a:r>
+              <a:rPr b="0" lang="pt-BR" sz="1500" spc="-1" strike="noStrike">
+                <a:solidFill>
+                  <a:srgbClr val="000000"/>
+                </a:solidFill>
+                <a:latin typeface="Exo 2"/>
+                <a:ea typeface="DejaVu Sans"/>
+              </a:rPr>
+              <a:t>Sente dificuldade em utilizar aplicativos com muita informação na tela pois fica muito confusa.</a:t>
+            </a:r>
+            <a:endParaRPr b="0" lang="pt-BR" sz="1500" spc="-1" strike="noStrike">
+              <a:latin typeface="Arial"/>
+            </a:endParaRPr>
+          </a:p>
+          <a:p>
+            <a:pPr marL="343080" indent="-341640">
+              <a:lnSpc>
+                <a:spcPct val="100000"/>
+              </a:lnSpc>
+              <a:buClr>
+                <a:srgbClr val="000000"/>
+              </a:buClr>
+              <a:buFont typeface="Arial"/>
+              <a:buChar char="•"/>
+            </a:pPr>
+            <a:r>
+              <a:rPr b="0" lang="pt-BR" sz="1500" spc="-1" strike="noStrike">
+                <a:solidFill>
+                  <a:srgbClr val="000000"/>
+                </a:solidFill>
+                <a:latin typeface="Exo 2"/>
+                <a:ea typeface="DejaVu Sans"/>
+              </a:rPr>
+              <a:t>Possui uma condição óptica (astigmatismo), por isso sente dificuldade e desconforto com informações muito próximas na tela </a:t>
+            </a:r>
+            <a:endParaRPr b="0" lang="pt-BR" sz="1500" spc="-1" strike="noStrike">
+              <a:latin typeface="Arial"/>
+            </a:endParaRPr>
+          </a:p>
+          <a:p>
+            <a:pPr marL="343080" indent="-341640">
+              <a:lnSpc>
+                <a:spcPct val="100000"/>
+              </a:lnSpc>
+              <a:buClr>
+                <a:srgbClr val="000000"/>
+              </a:buClr>
+              <a:buFont typeface="Arial"/>
+              <a:buChar char="•"/>
+            </a:pPr>
+            <a:r>
+              <a:rPr b="0" lang="pt-BR" sz="1500" spc="-1" strike="noStrike">
+                <a:solidFill>
+                  <a:srgbClr val="000000"/>
+                </a:solidFill>
+                <a:latin typeface="Exo 2"/>
+                <a:ea typeface="DejaVu Sans"/>
+              </a:rPr>
+              <a:t>Gostaria de utilizar um aplicativo onde pudesse conhecer pessoas de outros gêneros, sexualidades e etc</a:t>
+            </a:r>
+            <a:endParaRPr b="0" lang="pt-BR" sz="1500" spc="-1" strike="noStrike">
+              <a:latin typeface="Arial"/>
+            </a:endParaRPr>
+          </a:p>
+          <a:p>
+            <a:pPr>
+              <a:lnSpc>
+                <a:spcPct val="100000"/>
+              </a:lnSpc>
+            </a:pPr>
+            <a:r>
+              <a:rPr b="0" lang="pt-BR" sz="1500" spc="-1" strike="noStrike">
+                <a:solidFill>
+                  <a:srgbClr val="000000"/>
+                </a:solidFill>
+                <a:latin typeface="Exo 2"/>
+                <a:ea typeface="DejaVu Sans"/>
+              </a:rPr>
+              <a:t>	</a:t>
+            </a:r>
+            <a:endParaRPr b="0" lang="pt-BR" sz="1500" spc="-1" strike="noStrike">
+              <a:latin typeface="Arial"/>
+            </a:endParaRPr>
+          </a:p>
+        </p:txBody>
+      </p:sp>
+      <p:pic>
+        <p:nvPicPr>
+          <p:cNvPr id="134" name="" descr=""/>
+          <p:cNvPicPr/>
+          <p:nvPr/>
+        </p:nvPicPr>
+        <p:blipFill>
+          <a:blip r:embed="rId1"/>
+          <a:stretch/>
+        </p:blipFill>
+        <p:spPr>
+          <a:xfrm>
+            <a:off x="1080000" y="2391480"/>
+            <a:ext cx="1440000" cy="1800360"/>
+          </a:xfrm>
+          <a:prstGeom prst="rect">
+            <a:avLst/>
+          </a:prstGeom>
+          <a:ln>
+            <a:noFill/>
+          </a:ln>
+        </p:spPr>
+      </p:pic>
     </p:spTree>
   </p:cSld>
   <mc:AlternateContent>
@@ -11213,14 +11397,14 @@
       </p:grpSpPr>
       <p:sp>
         <p:nvSpPr>
-          <p:cNvPr id="130" name="CustomShape 1"/>
+          <p:cNvPr id="135" name="CustomShape 1"/>
           <p:cNvSpPr/>
           <p:nvPr/>
         </p:nvSpPr>
         <p:spPr>
           <a:xfrm>
             <a:off x="2184840" y="108360"/>
-            <a:ext cx="10781640" cy="764640"/>
+            <a:ext cx="10781280" cy="764280"/>
           </a:xfrm>
           <a:prstGeom prst="rect">
             <a:avLst/>
@@ -11241,7 +11425,7 @@
             <a:noAutofit/>
           </a:bodyPr>
           <a:p>
-            <a:pPr marL="430920" indent="-429840">
+            <a:pPr marL="430920" indent="-429480">
               <a:lnSpc>
                 <a:spcPct val="100000"/>
               </a:lnSpc>
@@ -11253,7 +11437,7 @@
               </a:tabLst>
             </a:pPr>
             <a:r>
-              <a:rPr b="1" lang="pt-BR" sz="1800" spc="-1" strike="noStrike">
+              <a:rPr b="1" lang="pt-BR" sz="3600" spc="-1" strike="noStrike">
                 <a:solidFill>
                   <a:srgbClr val="32b9cd"/>
                 </a:solidFill>
@@ -11262,22 +11446,22 @@
               </a:rPr>
               <a:t>2. Proto-Persona KnowÜ – Justificativa</a:t>
             </a:r>
-            <a:endParaRPr b="0" lang="pt-BR" sz="1800" spc="-1" strike="noStrike">
-              <a:latin typeface="Arial"/>
-            </a:endParaRPr>
-          </a:p>
-        </p:txBody>
-      </p:sp>
-      <p:sp>
-        <p:nvSpPr>
-          <p:cNvPr id="131" name="CustomShape 2"/>
+            <a:endParaRPr b="0" lang="pt-BR" sz="3600" spc="-1" strike="noStrike">
+              <a:latin typeface="Arial"/>
+            </a:endParaRPr>
+          </a:p>
+        </p:txBody>
+      </p:sp>
+      <p:sp>
+        <p:nvSpPr>
+          <p:cNvPr id="136" name="CustomShape 2"/>
           <p:cNvSpPr/>
           <p:nvPr/>
         </p:nvSpPr>
         <p:spPr>
           <a:xfrm>
             <a:off x="12605400" y="7237080"/>
-            <a:ext cx="627480" cy="213120"/>
+            <a:ext cx="627120" cy="212760"/>
           </a:xfrm>
           <a:prstGeom prst="rect">
             <a:avLst/>
@@ -11321,14 +11505,14 @@
       </p:sp>
       <p:sp>
         <p:nvSpPr>
-          <p:cNvPr id="132" name="CustomShape 3"/>
+          <p:cNvPr id="137" name="CustomShape 3"/>
           <p:cNvSpPr/>
           <p:nvPr/>
         </p:nvSpPr>
         <p:spPr>
           <a:xfrm>
             <a:off x="610200" y="1109520"/>
-            <a:ext cx="12447000" cy="3311280"/>
+            <a:ext cx="12446640" cy="3310920"/>
           </a:xfrm>
           <a:prstGeom prst="rect">
             <a:avLst/>
@@ -11349,7 +11533,7 @@
             <a:noAutofit/>
           </a:bodyPr>
           <a:p>
-            <a:pPr marL="430920" indent="-429840">
+            <a:pPr marL="430920" indent="-429480">
               <a:lnSpc>
                 <a:spcPct val="100000"/>
               </a:lnSpc>
@@ -11370,7 +11554,7 @@
                 <a:latin typeface="Exo 2"/>
                 <a:ea typeface="DejaVu Sans"/>
               </a:rPr>
-              <a:t> </a:t>
+              <a:t>Com base nas respostas, foi realizado um levantamento de características psicologias, físicas e sociais com base nas respostas do usuário. Também foi levado em consideração o tipo de rotina que a pessoa possuí, uma rotina de estudos e trabalho durante a manhã e a noite e se a pessoa frequentemente vai a locais públicos com ou sem amigos. </a:t>
             </a:r>
             <a:endParaRPr b="0" lang="pt-BR" sz="4000" spc="-1" strike="noStrike">
               <a:latin typeface="Arial"/>
@@ -11442,7 +11626,7 @@
                                           </p:stCondLst>
                                         </p:cTn>
                                         <p:tgtEl>
-                                          <p:spTgt spid="132">
+                                          <p:spTgt spid="137">
                                             <p:txEl>
                                               <p:pRg st="0" end="0"/>
                                             </p:txEl>

--- a/Documentação/Sprint 1 - Entregavel do Projeto - v2 - Aluno-1.pptx
+++ b/Documentação/Sprint 1 - Entregavel do Projeto - v2 - Aluno-1.pptx
@@ -5161,7 +5161,7 @@
                 <a:spcPct val="100000"/>
               </a:lnSpc>
             </a:pPr>
-            <a:fld id="{AEF19AA4-86C4-4A82-96F5-2CD8E836A954}" type="slidenum">
+            <a:fld id="{49124ECB-7F2F-4CA7-8FEF-A45928BD2902}" type="slidenum">
               <a:rPr b="1" lang="pt-BR" sz="1260" spc="-1" strike="noStrike">
                 <a:solidFill>
                   <a:srgbClr val="ffffff"/>
@@ -5299,7 +5299,7 @@
                 <a:spcPct val="100000"/>
               </a:lnSpc>
             </a:pPr>
-            <a:fld id="{5DF8A8E8-EC79-42A9-BA24-9E174573651E}" type="slidenum">
+            <a:fld id="{AB783D57-EABA-44C5-865C-30D151A36D92}" type="slidenum">
               <a:rPr b="1" lang="pt-BR" sz="1260" spc="-1" strike="noStrike">
                 <a:solidFill>
                   <a:srgbClr val="ffffff"/>
@@ -6693,7 +6693,7 @@
                 <a:spcPct val="100000"/>
               </a:lnSpc>
             </a:pPr>
-            <a:fld id="{285DD71A-09D2-4180-AAF1-9377F2ECFD10}" type="slidenum">
+            <a:fld id="{71243000-5363-4831-9417-43785C7BAE15}" type="slidenum">
               <a:rPr b="1" lang="pt-BR" sz="1260" spc="-1" strike="noStrike">
                 <a:solidFill>
                   <a:srgbClr val="ffffff"/>
@@ -7510,7 +7510,7 @@
                 <a:spcPct val="100000"/>
               </a:lnSpc>
             </a:pPr>
-            <a:fld id="{657FB0AC-BFD7-4B64-BD99-C44EA9368DCC}" type="slidenum">
+            <a:fld id="{F70C418C-336C-489E-91E4-F0F47699B168}" type="slidenum">
               <a:rPr b="1" lang="pt-BR" sz="1260" spc="-1" strike="noStrike">
                 <a:solidFill>
                   <a:srgbClr val="ffffff"/>
@@ -8022,7 +8022,7 @@
                 <a:spcPct val="100000"/>
               </a:lnSpc>
             </a:pPr>
-            <a:fld id="{FCE0C4E7-DF8C-4300-B65B-9862665EDB49}" type="slidenum">
+            <a:fld id="{A1D524CB-E2F4-4B36-815A-D873D30EAB5C}" type="slidenum">
               <a:rPr b="1" lang="pt-BR" sz="1260" spc="-1" strike="noStrike">
                 <a:solidFill>
                   <a:srgbClr val="ffffff"/>
@@ -8434,7 +8434,7 @@
                 <a:spcPct val="100000"/>
               </a:lnSpc>
             </a:pPr>
-            <a:fld id="{600C84AC-0342-41A1-8643-3A846050C0A9}" type="slidenum">
+            <a:fld id="{F7E2FA41-ED8D-43F8-B1C6-057AE481EAA9}" type="slidenum">
               <a:rPr b="1" lang="pt-BR" sz="1260" spc="-1" strike="noStrike">
                 <a:solidFill>
                   <a:srgbClr val="ffffff"/>
@@ -8651,7 +8651,7 @@
                 <a:spcPct val="100000"/>
               </a:lnSpc>
             </a:pPr>
-            <a:fld id="{E334C8C3-3F33-4F8F-9427-37C4ECF59EBA}" type="slidenum">
+            <a:fld id="{409181F7-A1A6-46AC-A426-6115C75F2C76}" type="slidenum">
               <a:rPr b="1" lang="pt-BR" sz="1260" spc="-1" strike="noStrike">
                 <a:solidFill>
                   <a:srgbClr val="ffffff"/>
@@ -10221,7 +10221,7 @@
                 <a:spcPct val="100000"/>
               </a:lnSpc>
             </a:pPr>
-            <a:fld id="{CDCF3EF4-4EAF-43FD-B2A0-1187609F01C0}" type="slidenum">
+            <a:fld id="{4C526687-BD2A-4D54-978F-16612DA35CD5}" type="slidenum">
               <a:rPr b="1" lang="pt-BR" sz="1260" spc="-1" strike="noStrike">
                 <a:solidFill>
                   <a:srgbClr val="ffffff"/>
@@ -10904,7 +10904,7 @@
         <p:spPr>
           <a:xfrm>
             <a:off x="6755040" y="2178360"/>
-            <a:ext cx="5772240" cy="2280600"/>
+            <a:ext cx="5772240" cy="2279880"/>
           </a:xfrm>
           <a:prstGeom prst="rect">
             <a:avLst/>
@@ -11063,7 +11063,7 @@
                 <a:latin typeface="Exo 2"/>
                 <a:ea typeface="DejaVu Sans"/>
               </a:rPr>
-              <a:t>Desconfia quando vai sair com </a:t>
+              <a:t>Procura alguém para se </a:t>
             </a:r>
             <a:r>
               <a:rPr b="0" lang="pt-BR" sz="1600" spc="-1" strike="noStrike">
@@ -11073,8 +11073,23 @@
                 <a:latin typeface="Exo 2"/>
                 <a:ea typeface="DejaVu Sans"/>
               </a:rPr>
-              <a:t>alguém que conheceu no </a:t>
-            </a:r>
+              <a:t>relacionar, ou novos amigos</a:t>
+            </a:r>
+            <a:endParaRPr b="0" lang="pt-BR" sz="1600" spc="-1" strike="noStrike">
+              <a:latin typeface="Arial"/>
+            </a:endParaRPr>
+          </a:p>
+          <a:p>
+            <a:pPr marL="343080" indent="-341640">
+              <a:lnSpc>
+                <a:spcPct val="100000"/>
+              </a:lnSpc>
+              <a:buClr>
+                <a:srgbClr val="000000"/>
+              </a:buClr>
+              <a:buFont typeface="Arial"/>
+              <a:buChar char="•"/>
+            </a:pPr>
             <a:r>
               <a:rPr b="0" lang="pt-BR" sz="1600" spc="-1" strike="noStrike">
                 <a:solidFill>
@@ -11083,7 +11098,7 @@
                 <a:latin typeface="Exo 2"/>
                 <a:ea typeface="DejaVu Sans"/>
               </a:rPr>
-              <a:t>aplicativo.</a:t>
+              <a:t>Ansiosa</a:t>
             </a:r>
             <a:endParaRPr b="0" lang="pt-BR" sz="1600" spc="-1" strike="noStrike">
               <a:latin typeface="Arial"/>
@@ -11108,31 +11123,6 @@
                 <a:latin typeface="Exo 2"/>
                 <a:ea typeface="DejaVu Sans"/>
               </a:rPr>
-              <a:t>Ansiosa</a:t>
-            </a:r>
-            <a:endParaRPr b="0" lang="pt-BR" sz="1600" spc="-1" strike="noStrike">
-              <a:latin typeface="Arial"/>
-            </a:endParaRPr>
-          </a:p>
-          <a:p>
-            <a:pPr marL="343080" indent="-341640">
-              <a:lnSpc>
-                <a:spcPct val="100000"/>
-              </a:lnSpc>
-              <a:buClr>
-                <a:srgbClr val="000000"/>
-              </a:buClr>
-              <a:buFont typeface="Arial"/>
-              <a:buChar char="•"/>
-            </a:pPr>
-            <a:r>
-              <a:rPr b="0" lang="pt-BR" sz="1600" spc="-1" strike="noStrike">
-                <a:solidFill>
-                  <a:srgbClr val="000000"/>
-                </a:solidFill>
-                <a:latin typeface="Exo 2"/>
-                <a:ea typeface="DejaVu Sans"/>
-              </a:rPr>
               <a:t>Tímida </a:t>
             </a:r>
             <a:endParaRPr b="0" lang="pt-BR" sz="1600" spc="-1" strike="noStrike">
@@ -11189,7 +11179,7 @@
                 <a:latin typeface="Exo 2"/>
                 <a:ea typeface="DejaVu Sans"/>
               </a:rPr>
-              <a:t>Procura alguém para se relacionar, ou novos amigos</a:t>
+              <a:t>Desconfia quando vai conhecer uma nova pessoa</a:t>
             </a:r>
             <a:endParaRPr b="0" lang="pt-BR" sz="1500" spc="-1" strike="noStrike">
               <a:latin typeface="Arial"/>
@@ -11239,7 +11229,7 @@
                 <a:latin typeface="Exo 2"/>
                 <a:ea typeface="DejaVu Sans"/>
               </a:rPr>
-              <a:t>Gostaria de conhecer pessoas com interesses em comum</a:t>
+              <a:t>Dificuldade em conhecer pessoas com interesses em comum</a:t>
             </a:r>
             <a:endParaRPr b="0" lang="pt-BR" sz="1500" spc="-1" strike="noStrike">
               <a:latin typeface="Arial"/>

--- a/Documentação/Sprint 1 - Entregavel do Projeto - v2 - Aluno-1.pptx
+++ b/Documentação/Sprint 1 - Entregavel do Projeto - v2 - Aluno-1.pptx
@@ -8528,7 +8528,7 @@
               <a:t>R: </a:t>
             </a:r>
             <a:r>
-              <a:rPr lang="" altLang="pt-BR" sz="4030" b="0" strike="noStrike" spc="-1">
+              <a:rPr lang="en-US" altLang="pt-BR" sz="4030" b="0" strike="noStrike" spc="-1">
                 <a:solidFill>
                   <a:srgbClr val="000000"/>
                 </a:solidFill>
@@ -8548,7 +8548,7 @@
               <a:t>Aplicação para combinar eventos culturais com pessoas próximas a localização do usuário em tempo real</a:t>
             </a:r>
             <a:r>
-              <a:rPr lang="" altLang="pt-BR" sz="4030" b="0" strike="noStrike" spc="-1">
+              <a:rPr lang="en-US" altLang="pt-BR" sz="4030" b="0" strike="noStrike" spc="-1">
                 <a:solidFill>
                   <a:srgbClr val="000000"/>
                 </a:solidFill>
@@ -11655,8 +11655,8 @@
         </p:nvSpPr>
         <p:spPr>
           <a:xfrm>
-            <a:off x="6755040" y="2178360"/>
-            <a:ext cx="5771520" cy="2279880"/>
+            <a:off x="6768375" y="2075490"/>
+            <a:ext cx="5771520" cy="2304415"/>
           </a:xfrm>
           <a:prstGeom prst="rect">
             <a:avLst/>
@@ -11679,11 +11679,11 @@
           <a:fontRef idx="minor"/>
         </p:style>
         <p:txBody>
-          <a:bodyPr lIns="90000" tIns="45000" rIns="90000" bIns="45000">
+          <a:bodyPr wrap="square" lIns="90000" tIns="45000" rIns="90000" bIns="45000">
             <a:spAutoFit/>
           </a:bodyPr>
           <a:p>
-            <a:pPr marL="342900" indent="-340995">
+            <a:pPr marL="1905" indent="0">
               <a:lnSpc>
                 <a:spcPct val="100000"/>
               </a:lnSpc>
@@ -11691,24 +11691,14 @@
                 <a:srgbClr val="000000"/>
               </a:buClr>
               <a:buFont typeface="Arial"/>
-              <a:buChar char="•"/>
-            </a:pPr>
-            <a:r>
-              <a:rPr lang="pt-BR" sz="1600" b="0" strike="noStrike" spc="-1">
-                <a:solidFill>
-                  <a:srgbClr val="000000"/>
-                </a:solidFill>
-                <a:latin typeface="Exo 2"/>
-                <a:ea typeface="DejaVu Sans" panose="020B0603030804020204"/>
-              </a:rPr>
-              <a:t>Romântica </a:t>
-            </a:r>
+              <a:buNone/>
+            </a:pPr>
             <a:endParaRPr lang="pt-BR" sz="1600" b="0" strike="noStrike" spc="-1">
               <a:latin typeface="Arial"/>
             </a:endParaRPr>
           </a:p>
           <a:p>
-            <a:pPr marL="342900" indent="-340995">
+            <a:pPr marL="342900" lvl="0" indent="-340995" algn="l">
               <a:lnSpc>
                 <a:spcPct val="100000"/>
               </a:lnSpc>
@@ -11733,7 +11723,7 @@
             </a:endParaRPr>
           </a:p>
           <a:p>
-            <a:pPr marL="342900" indent="-340995">
+            <a:pPr marL="342900" lvl="0" indent="-340995" algn="l">
               <a:lnSpc>
                 <a:spcPct val="100000"/>
               </a:lnSpc>
@@ -11758,7 +11748,7 @@
             </a:endParaRPr>
           </a:p>
           <a:p>
-            <a:pPr marL="342900" indent="-340995">
+            <a:pPr marL="342900" lvl="0" indent="-340995" algn="l">
               <a:lnSpc>
                 <a:spcPct val="100000"/>
               </a:lnSpc>
@@ -11783,7 +11773,7 @@
             </a:endParaRPr>
           </a:p>
           <a:p>
-            <a:pPr marL="342900" indent="-340995">
+            <a:pPr marL="342900" lvl="0" indent="-340995" algn="l">
               <a:lnSpc>
                 <a:spcPct val="100000"/>
               </a:lnSpc>
@@ -11808,7 +11798,7 @@
             </a:endParaRPr>
           </a:p>
           <a:p>
-            <a:pPr marL="342900" indent="-340995">
+            <a:pPr marL="342900" lvl="0" indent="-340995" algn="l">
               <a:lnSpc>
                 <a:spcPct val="100000"/>
               </a:lnSpc>
@@ -11833,7 +11823,7 @@
             </a:endParaRPr>
           </a:p>
           <a:p>
-            <a:pPr marL="342900" indent="-340995">
+            <a:pPr marL="342900" lvl="0" indent="-340995" algn="l">
               <a:lnSpc>
                 <a:spcPct val="100000"/>
               </a:lnSpc>
@@ -11867,8 +11857,8 @@
         </p:nvSpPr>
         <p:spPr>
           <a:xfrm>
-            <a:off x="928080" y="4892400"/>
-            <a:ext cx="11527200" cy="2143800"/>
+            <a:off x="928080" y="5154020"/>
+            <a:ext cx="11527200" cy="1704340"/>
           </a:xfrm>
           <a:prstGeom prst="rect">
             <a:avLst/>
@@ -11989,31 +11979,6 @@
                 <a:ea typeface="DejaVu Sans" panose="020B0603030804020204"/>
               </a:rPr>
               <a:t>Sente dificuldade em utilizar aplicativos com muita informação na tela pois fica muito confusa.</a:t>
-            </a:r>
-            <a:endParaRPr lang="pt-BR" sz="1500" b="0" strike="noStrike" spc="-1">
-              <a:latin typeface="Arial"/>
-            </a:endParaRPr>
-          </a:p>
-          <a:p>
-            <a:pPr marL="342900" indent="-340995">
-              <a:lnSpc>
-                <a:spcPct val="100000"/>
-              </a:lnSpc>
-              <a:buClr>
-                <a:srgbClr val="000000"/>
-              </a:buClr>
-              <a:buFont typeface="Arial"/>
-              <a:buChar char="•"/>
-            </a:pPr>
-            <a:r>
-              <a:rPr lang="pt-BR" sz="1500" b="0" strike="noStrike" spc="-1">
-                <a:solidFill>
-                  <a:srgbClr val="000000"/>
-                </a:solidFill>
-                <a:latin typeface="Exo 2"/>
-                <a:ea typeface="DejaVu Sans" panose="020B0603030804020204"/>
-              </a:rPr>
-              <a:t>Possui uma condição óptica (astigmatismo), por isso sente dificuldade e desconforto com informações muito próximas na tela </a:t>
             </a:r>
             <a:endParaRPr lang="pt-BR" sz="1500" b="0" strike="noStrike" spc="-1">
               <a:latin typeface="Arial"/>
